--- a/assets/lectures/cbw-cshl/2019/mini/RNASeq_MiniLecture_09_04_AlternativeSplicingAnalysis.pptx
+++ b/assets/lectures/cbw-cshl/2019/mini/RNASeq_MiniLecture_09_04_AlternativeSplicingAnalysis.pptx
@@ -5,12 +5,10 @@
     <p:sldMasterId id="2147483660" r:id="rId1"/>
   </p:sldMasterIdLst>
   <p:notesMasterIdLst>
-    <p:notesMasterId r:id="rId5"/>
+    <p:notesMasterId r:id="rId3"/>
   </p:notesMasterIdLst>
   <p:sldIdLst>
-    <p:sldId id="257" r:id="rId2"/>
-    <p:sldId id="258" r:id="rId3"/>
-    <p:sldId id="259" r:id="rId4"/>
+    <p:sldId id="259" r:id="rId2"/>
   </p:sldIdLst>
   <p:sldSz cx="12192000" cy="6858000"/>
   <p:notesSz cx="6858000" cy="9144000"/>
@@ -199,7 +197,7 @@
           <a:p>
             <a:fld id="{827BD9F9-8452-A342-BB1B-28ECF19E2CC5}" type="datetimeFigureOut">
               <a:rPr lang="en-US" smtClean="0"/>
-              <a:t>3/4/19</a:t>
+              <a:t>3/11/19</a:t>
             </a:fld>
             <a:endParaRPr lang="en-US"/>
           </a:p>
@@ -720,14 +718,14 @@
           </a:ln>
           <a:extLst>
             <a:ext uri="{909E8E84-426E-40dd-AFC4-6F175D3DCCD1}">
-              <a14:hiddenFill xmlns:a14="http://schemas.microsoft.com/office/drawing/2010/main" xmlns="">
+              <a14:hiddenFill xmlns="" xmlns:a14="http://schemas.microsoft.com/office/drawing/2010/main">
                 <a:solidFill>
                   <a:srgbClr val="FFFFFF"/>
                 </a:solidFill>
               </a14:hiddenFill>
             </a:ext>
             <a:ext uri="{91240B29-F687-4f45-9708-019B960494DF}">
-              <a14:hiddenLine xmlns:a14="http://schemas.microsoft.com/office/drawing/2010/main" xmlns="" w="9525">
+              <a14:hiddenLine xmlns="" xmlns:a14="http://schemas.microsoft.com/office/drawing/2010/main" w="9525">
                 <a:solidFill>
                   <a:srgbClr val="000000"/>
                 </a:solidFill>
@@ -3483,14 +3481,14 @@
           </a:ln>
           <a:extLst>
             <a:ext uri="{909E8E84-426E-40dd-AFC4-6F175D3DCCD1}">
-              <a14:hiddenFill xmlns:a14="http://schemas.microsoft.com/office/drawing/2010/main" xmlns="">
+              <a14:hiddenFill xmlns="" xmlns:a14="http://schemas.microsoft.com/office/drawing/2010/main">
                 <a:solidFill>
                   <a:srgbClr val="FFFFFF"/>
                 </a:solidFill>
               </a14:hiddenFill>
             </a:ext>
             <a:ext uri="{91240B29-F687-4f45-9708-019B960494DF}">
-              <a14:hiddenLine xmlns:a14="http://schemas.microsoft.com/office/drawing/2010/main" xmlns="" w="9525">
+              <a14:hiddenLine xmlns="" xmlns:a14="http://schemas.microsoft.com/office/drawing/2010/main" w="9525">
                 <a:solidFill>
                   <a:srgbClr val="000000"/>
                 </a:solidFill>
@@ -3625,7 +3623,7 @@
                 <a:latin typeface="Calibri" charset="0"/>
                 <a:cs typeface="Calibri" charset="0"/>
               </a:rPr>
-              <a:t>Module </a:t>
+              <a:t>Module 9 </a:t>
             </a:r>
           </a:p>
         </p:txBody>
@@ -3772,19 +3770,7 @@
               <a:rPr lang="en-US" b="1" dirty="0" err="1">
                 <a:cs typeface="Arial" charset="0"/>
               </a:rPr>
-              <a:t>bio</a:t>
-            </a:r>
-            <a:r>
-              <a:rPr lang="en-US" dirty="0" err="1">
-                <a:cs typeface="Arial" charset="0"/>
-              </a:rPr>
-              <a:t>informatics</a:t>
-            </a:r>
-            <a:r>
-              <a:rPr lang="en-US" sz="1400" dirty="0" err="1">
-                <a:cs typeface="Arial" charset="0"/>
-              </a:rPr>
-              <a:t>.ca</a:t>
+              <a:t>rnabio.org</a:t>
             </a:r>
             <a:endParaRPr lang="en-US" dirty="0">
               <a:cs typeface="Arial" charset="0"/>
@@ -4116,510 +4102,6 @@
       </p:grpSpPr>
       <p:sp>
         <p:nvSpPr>
-          <p:cNvPr id="4" name="Rectangle 2">
-            <a:extLst>
-              <a:ext uri="{FF2B5EF4-FFF2-40B4-BE49-F238E27FC236}">
-                <a16:creationId xmlns:a16="http://schemas.microsoft.com/office/drawing/2014/main" id="{3951701B-699C-D042-8C4F-2B7A911EC7B7}"/>
-              </a:ext>
-            </a:extLst>
-          </p:cNvPr>
-          <p:cNvSpPr txBox="1">
-            <a:spLocks noChangeArrowheads="1"/>
-          </p:cNvSpPr>
-          <p:nvPr/>
-        </p:nvSpPr>
-        <p:spPr>
-          <a:xfrm>
-            <a:off x="931221" y="2489451"/>
-            <a:ext cx="10294920" cy="1447800"/>
-          </a:xfrm>
-          <a:prstGeom prst="rect">
-            <a:avLst/>
-          </a:prstGeom>
-        </p:spPr>
-        <p:txBody>
-          <a:bodyPr vert="horz" lIns="91440" tIns="45720" rIns="91440" bIns="45720" rtlCol="0" anchor="ctr">
-            <a:normAutofit/>
-          </a:bodyPr>
-          <a:lstStyle>
-            <a:lvl1pPr algn="l" defTabSz="914400" rtl="0" eaLnBrk="1" latinLnBrk="0" hangingPunct="1">
-              <a:lnSpc>
-                <a:spcPct val="90000"/>
-              </a:lnSpc>
-              <a:spcBef>
-                <a:spcPct val="0"/>
-              </a:spcBef>
-              <a:buNone/>
-              <a:defRPr sz="4400" kern="1200">
-                <a:solidFill>
-                  <a:schemeClr val="tx1"/>
-                </a:solidFill>
-                <a:latin typeface="+mj-lt"/>
-                <a:ea typeface="+mj-ea"/>
-                <a:cs typeface="+mj-cs"/>
-              </a:defRPr>
-            </a:lvl1pPr>
-          </a:lstStyle>
-          <a:p>
-            <a:pPr marL="0" marR="0" lvl="0" indent="0" algn="l" defTabSz="914400" rtl="0" eaLnBrk="1" fontAlgn="auto" latinLnBrk="0" hangingPunct="1">
-              <a:lnSpc>
-                <a:spcPct val="90000"/>
-              </a:lnSpc>
-              <a:spcBef>
-                <a:spcPct val="0"/>
-              </a:spcBef>
-              <a:spcAft>
-                <a:spcPts val="0"/>
-              </a:spcAft>
-              <a:buClrTx/>
-              <a:buSzTx/>
-              <a:buFontTx/>
-              <a:buNone/>
-              <a:tabLst/>
-              <a:defRPr/>
-            </a:pPr>
-            <a:r>
-              <a:rPr kumimoji="0" lang="en-US" sz="4400" b="0" i="0" u="none" strike="noStrike" kern="1200" cap="none" spc="0" normalizeH="0" baseline="0" noProof="0" dirty="0">
-                <a:ln>
-                  <a:noFill/>
-                </a:ln>
-                <a:solidFill>
-                  <a:srgbClr val="9A3334"/>
-                </a:solidFill>
-                <a:effectLst/>
-                <a:uLnTx/>
-                <a:uFillTx/>
-                <a:latin typeface="Verdana" panose="020B0604030504040204" pitchFamily="34" charset="0"/>
-                <a:ea typeface="Verdana" panose="020B0604030504040204" pitchFamily="34" charset="0"/>
-                <a:cs typeface="Verdana" panose="020B0604030504040204" pitchFamily="34" charset="0"/>
-              </a:rPr>
-              <a:t>Canadian Bioinformatics Workshops</a:t>
-            </a:r>
-          </a:p>
-        </p:txBody>
-      </p:sp>
-      <p:sp>
-        <p:nvSpPr>
-          <p:cNvPr id="5" name="Rectangle 3">
-            <a:extLst>
-              <a:ext uri="{FF2B5EF4-FFF2-40B4-BE49-F238E27FC236}">
-                <a16:creationId xmlns:a16="http://schemas.microsoft.com/office/drawing/2014/main" id="{F9B358B9-3A44-4642-B0D6-A899FE00280C}"/>
-              </a:ext>
-            </a:extLst>
-          </p:cNvPr>
-          <p:cNvSpPr txBox="1">
-            <a:spLocks noChangeArrowheads="1"/>
-          </p:cNvSpPr>
-          <p:nvPr/>
-        </p:nvSpPr>
-        <p:spPr>
-          <a:xfrm>
-            <a:off x="2058889" y="3719450"/>
-            <a:ext cx="8039584" cy="1927225"/>
-          </a:xfrm>
-          <a:prstGeom prst="rect">
-            <a:avLst/>
-          </a:prstGeom>
-        </p:spPr>
-        <p:txBody>
-          <a:bodyPr vert="horz" lIns="91440" tIns="45720" rIns="91440" bIns="45720" rtlCol="0">
-            <a:normAutofit/>
-          </a:bodyPr>
-          <a:lstStyle>
-            <a:lvl1pPr marL="228600" indent="-228600" algn="l" defTabSz="914400" rtl="0" eaLnBrk="1" latinLnBrk="0" hangingPunct="1">
-              <a:lnSpc>
-                <a:spcPct val="90000"/>
-              </a:lnSpc>
-              <a:spcBef>
-                <a:spcPts val="1000"/>
-              </a:spcBef>
-              <a:buFont typeface="Arial" panose="020B0604020202020204" pitchFamily="34" charset="0"/>
-              <a:buChar char="•"/>
-              <a:defRPr sz="2800" kern="1200">
-                <a:solidFill>
-                  <a:schemeClr val="tx1"/>
-                </a:solidFill>
-                <a:latin typeface="+mn-lt"/>
-                <a:ea typeface="+mn-ea"/>
-                <a:cs typeface="+mn-cs"/>
-              </a:defRPr>
-            </a:lvl1pPr>
-            <a:lvl2pPr marL="685800" indent="-228600" algn="l" defTabSz="914400" rtl="0" eaLnBrk="1" latinLnBrk="0" hangingPunct="1">
-              <a:lnSpc>
-                <a:spcPct val="90000"/>
-              </a:lnSpc>
-              <a:spcBef>
-                <a:spcPts val="500"/>
-              </a:spcBef>
-              <a:buFont typeface="Arial" panose="020B0604020202020204" pitchFamily="34" charset="0"/>
-              <a:buChar char="•"/>
-              <a:defRPr sz="2400" kern="1200">
-                <a:solidFill>
-                  <a:schemeClr val="tx1"/>
-                </a:solidFill>
-                <a:latin typeface="+mn-lt"/>
-                <a:ea typeface="+mn-ea"/>
-                <a:cs typeface="+mn-cs"/>
-              </a:defRPr>
-            </a:lvl2pPr>
-            <a:lvl3pPr marL="1143000" indent="-228600" algn="l" defTabSz="914400" rtl="0" eaLnBrk="1" latinLnBrk="0" hangingPunct="1">
-              <a:lnSpc>
-                <a:spcPct val="90000"/>
-              </a:lnSpc>
-              <a:spcBef>
-                <a:spcPts val="500"/>
-              </a:spcBef>
-              <a:buFont typeface="Arial" panose="020B0604020202020204" pitchFamily="34" charset="0"/>
-              <a:buChar char="•"/>
-              <a:defRPr sz="2000" kern="1200">
-                <a:solidFill>
-                  <a:schemeClr val="tx1"/>
-                </a:solidFill>
-                <a:latin typeface="+mn-lt"/>
-                <a:ea typeface="+mn-ea"/>
-                <a:cs typeface="+mn-cs"/>
-              </a:defRPr>
-            </a:lvl3pPr>
-            <a:lvl4pPr marL="1600200" indent="-228600" algn="l" defTabSz="914400" rtl="0" eaLnBrk="1" latinLnBrk="0" hangingPunct="1">
-              <a:lnSpc>
-                <a:spcPct val="90000"/>
-              </a:lnSpc>
-              <a:spcBef>
-                <a:spcPts val="500"/>
-              </a:spcBef>
-              <a:buFont typeface="Arial" panose="020B0604020202020204" pitchFamily="34" charset="0"/>
-              <a:buChar char="•"/>
-              <a:defRPr sz="1800" kern="1200">
-                <a:solidFill>
-                  <a:schemeClr val="tx1"/>
-                </a:solidFill>
-                <a:latin typeface="+mn-lt"/>
-                <a:ea typeface="+mn-ea"/>
-                <a:cs typeface="+mn-cs"/>
-              </a:defRPr>
-            </a:lvl4pPr>
-            <a:lvl5pPr marL="2057400" indent="-228600" algn="l" defTabSz="914400" rtl="0" eaLnBrk="1" latinLnBrk="0" hangingPunct="1">
-              <a:lnSpc>
-                <a:spcPct val="90000"/>
-              </a:lnSpc>
-              <a:spcBef>
-                <a:spcPts val="500"/>
-              </a:spcBef>
-              <a:buFont typeface="Arial" panose="020B0604020202020204" pitchFamily="34" charset="0"/>
-              <a:buChar char="•"/>
-              <a:defRPr sz="1800" kern="1200">
-                <a:solidFill>
-                  <a:schemeClr val="tx1"/>
-                </a:solidFill>
-                <a:latin typeface="+mn-lt"/>
-                <a:ea typeface="+mn-ea"/>
-                <a:cs typeface="+mn-cs"/>
-              </a:defRPr>
-            </a:lvl5pPr>
-            <a:lvl6pPr marL="2514600" indent="-228600" algn="l" defTabSz="914400" rtl="0" eaLnBrk="1" latinLnBrk="0" hangingPunct="1">
-              <a:lnSpc>
-                <a:spcPct val="90000"/>
-              </a:lnSpc>
-              <a:spcBef>
-                <a:spcPts val="500"/>
-              </a:spcBef>
-              <a:buFont typeface="Arial" panose="020B0604020202020204" pitchFamily="34" charset="0"/>
-              <a:buChar char="•"/>
-              <a:defRPr sz="1800" kern="1200">
-                <a:solidFill>
-                  <a:schemeClr val="tx1"/>
-                </a:solidFill>
-                <a:latin typeface="+mn-lt"/>
-                <a:ea typeface="+mn-ea"/>
-                <a:cs typeface="+mn-cs"/>
-              </a:defRPr>
-            </a:lvl6pPr>
-            <a:lvl7pPr marL="2971800" indent="-228600" algn="l" defTabSz="914400" rtl="0" eaLnBrk="1" latinLnBrk="0" hangingPunct="1">
-              <a:lnSpc>
-                <a:spcPct val="90000"/>
-              </a:lnSpc>
-              <a:spcBef>
-                <a:spcPts val="500"/>
-              </a:spcBef>
-              <a:buFont typeface="Arial" panose="020B0604020202020204" pitchFamily="34" charset="0"/>
-              <a:buChar char="•"/>
-              <a:defRPr sz="1800" kern="1200">
-                <a:solidFill>
-                  <a:schemeClr val="tx1"/>
-                </a:solidFill>
-                <a:latin typeface="+mn-lt"/>
-                <a:ea typeface="+mn-ea"/>
-                <a:cs typeface="+mn-cs"/>
-              </a:defRPr>
-            </a:lvl7pPr>
-            <a:lvl8pPr marL="3429000" indent="-228600" algn="l" defTabSz="914400" rtl="0" eaLnBrk="1" latinLnBrk="0" hangingPunct="1">
-              <a:lnSpc>
-                <a:spcPct val="90000"/>
-              </a:lnSpc>
-              <a:spcBef>
-                <a:spcPts val="500"/>
-              </a:spcBef>
-              <a:buFont typeface="Arial" panose="020B0604020202020204" pitchFamily="34" charset="0"/>
-              <a:buChar char="•"/>
-              <a:defRPr sz="1800" kern="1200">
-                <a:solidFill>
-                  <a:schemeClr val="tx1"/>
-                </a:solidFill>
-                <a:latin typeface="+mn-lt"/>
-                <a:ea typeface="+mn-ea"/>
-                <a:cs typeface="+mn-cs"/>
-              </a:defRPr>
-            </a:lvl8pPr>
-            <a:lvl9pPr marL="3886200" indent="-228600" algn="l" defTabSz="914400" rtl="0" eaLnBrk="1" latinLnBrk="0" hangingPunct="1">
-              <a:lnSpc>
-                <a:spcPct val="90000"/>
-              </a:lnSpc>
-              <a:spcBef>
-                <a:spcPts val="500"/>
-              </a:spcBef>
-              <a:buFont typeface="Arial" panose="020B0604020202020204" pitchFamily="34" charset="0"/>
-              <a:buChar char="•"/>
-              <a:defRPr sz="1800" kern="1200">
-                <a:solidFill>
-                  <a:schemeClr val="tx1"/>
-                </a:solidFill>
-                <a:latin typeface="+mn-lt"/>
-                <a:ea typeface="+mn-ea"/>
-                <a:cs typeface="+mn-cs"/>
-              </a:defRPr>
-            </a:lvl9pPr>
-          </a:lstStyle>
-          <a:p>
-            <a:pPr marL="0" marR="0" lvl="0" indent="0" algn="ctr" defTabSz="914400" rtl="0" eaLnBrk="1" fontAlgn="auto" latinLnBrk="0" hangingPunct="1">
-              <a:lnSpc>
-                <a:spcPct val="90000"/>
-              </a:lnSpc>
-              <a:spcBef>
-                <a:spcPts val="1000"/>
-              </a:spcBef>
-              <a:spcAft>
-                <a:spcPts val="0"/>
-              </a:spcAft>
-              <a:buClrTx/>
-              <a:buSzTx/>
-              <a:buFont typeface="Arial" charset="0"/>
-              <a:buNone/>
-              <a:tabLst/>
-              <a:defRPr/>
-            </a:pPr>
-            <a:r>
-              <a:rPr kumimoji="0" lang="en-US" sz="2800" b="0" i="0" u="none" strike="noStrike" kern="1200" cap="none" spc="0" normalizeH="0" baseline="0" noProof="0" dirty="0" err="1">
-                <a:ln>
-                  <a:noFill/>
-                </a:ln>
-                <a:solidFill>
-                  <a:prstClr val="black"/>
-                </a:solidFill>
-                <a:effectLst/>
-                <a:uLnTx/>
-                <a:uFillTx/>
-                <a:latin typeface="Verdana" panose="020B0604030504040204"/>
-                <a:ea typeface="ＭＳ Ｐゴシック" charset="0"/>
-                <a:cs typeface="ＭＳ Ｐゴシック" charset="0"/>
-              </a:rPr>
-              <a:t>www.bioinformatics.ca</a:t>
-            </a:r>
-            <a:endParaRPr kumimoji="0" lang="en-US" sz="2800" b="0" i="0" u="none" strike="noStrike" kern="1200" cap="none" spc="0" normalizeH="0" baseline="0" noProof="0" dirty="0">
-              <a:ln>
-                <a:noFill/>
-              </a:ln>
-              <a:solidFill>
-                <a:prstClr val="black"/>
-              </a:solidFill>
-              <a:effectLst/>
-              <a:uLnTx/>
-              <a:uFillTx/>
-              <a:latin typeface="Verdana" panose="020B0604030504040204"/>
-              <a:ea typeface="ＭＳ Ｐゴシック" charset="0"/>
-              <a:cs typeface="ＭＳ Ｐゴシック" charset="0"/>
-            </a:endParaRPr>
-          </a:p>
-          <a:p>
-            <a:pPr marL="0" marR="0" lvl="0" indent="0" algn="ctr" defTabSz="914400" rtl="0" eaLnBrk="1" fontAlgn="auto" latinLnBrk="0" hangingPunct="1">
-              <a:lnSpc>
-                <a:spcPct val="90000"/>
-              </a:lnSpc>
-              <a:spcBef>
-                <a:spcPts val="1000"/>
-              </a:spcBef>
-              <a:spcAft>
-                <a:spcPts val="0"/>
-              </a:spcAft>
-              <a:buClrTx/>
-              <a:buSzTx/>
-              <a:buFont typeface="Arial" charset="0"/>
-              <a:buNone/>
-              <a:tabLst/>
-              <a:defRPr/>
-            </a:pPr>
-            <a:r>
-              <a:rPr kumimoji="0" lang="en-US" sz="2800" b="0" i="0" u="none" strike="noStrike" kern="1200" cap="none" spc="0" normalizeH="0" baseline="0" noProof="0" dirty="0" err="1">
-                <a:ln>
-                  <a:noFill/>
-                </a:ln>
-                <a:solidFill>
-                  <a:prstClr val="black"/>
-                </a:solidFill>
-                <a:effectLst/>
-                <a:uLnTx/>
-                <a:uFillTx/>
-                <a:latin typeface="Verdana" panose="020B0604030504040204"/>
-                <a:ea typeface="ＭＳ Ｐゴシック" charset="0"/>
-                <a:cs typeface="ＭＳ Ｐゴシック" charset="0"/>
-              </a:rPr>
-              <a:t>bioinformaticsdotca.github.io</a:t>
-            </a:r>
-            <a:endParaRPr kumimoji="0" lang="en-US" sz="2800" b="0" i="0" u="none" strike="noStrike" kern="1200" cap="none" spc="0" normalizeH="0" baseline="0" noProof="0" dirty="0">
-              <a:ln>
-                <a:noFill/>
-              </a:ln>
-              <a:solidFill>
-                <a:prstClr val="black"/>
-              </a:solidFill>
-              <a:effectLst/>
-              <a:uLnTx/>
-              <a:uFillTx/>
-              <a:latin typeface="Verdana" panose="020B0604030504040204"/>
-              <a:ea typeface="ＭＳ Ｐゴシック" charset="0"/>
-              <a:cs typeface="ＭＳ Ｐゴシック" charset="0"/>
-            </a:endParaRPr>
-          </a:p>
-        </p:txBody>
-      </p:sp>
-      <p:pic>
-        <p:nvPicPr>
-          <p:cNvPr id="6" name="Picture 5">
-            <a:extLst>
-              <a:ext uri="{FF2B5EF4-FFF2-40B4-BE49-F238E27FC236}">
-                <a16:creationId xmlns:a16="http://schemas.microsoft.com/office/drawing/2014/main" id="{7E3CC30E-EF41-4A4B-AD78-53A11C3D8B87}"/>
-              </a:ext>
-            </a:extLst>
-          </p:cNvPr>
-          <p:cNvPicPr>
-            <a:picLocks noChangeAspect="1"/>
-          </p:cNvPicPr>
-          <p:nvPr/>
-        </p:nvPicPr>
-        <p:blipFill>
-          <a:blip r:embed="rId2"/>
-          <a:stretch>
-            <a:fillRect/>
-          </a:stretch>
-        </p:blipFill>
-        <p:spPr>
-          <a:xfrm>
-            <a:off x="10608072" y="5106390"/>
-            <a:ext cx="1583928" cy="1313871"/>
-          </a:xfrm>
-          <a:prstGeom prst="rect">
-            <a:avLst/>
-          </a:prstGeom>
-        </p:spPr>
-      </p:pic>
-    </p:spTree>
-    <p:extLst>
-      <p:ext uri="{BB962C8B-B14F-4D97-AF65-F5344CB8AC3E}">
-        <p14:creationId xmlns:p14="http://schemas.microsoft.com/office/powerpoint/2010/main" val="454110252"/>
-      </p:ext>
-    </p:extLst>
-  </p:cSld>
-  <p:clrMapOvr>
-    <a:masterClrMapping/>
-  </p:clrMapOvr>
-</p:sld>
-</file>
-
-<file path=ppt/slides/slide2.xml><?xml version="1.0" encoding="utf-8"?>
-<p:sld xmlns:a="http://schemas.openxmlformats.org/drawingml/2006/main" xmlns:r="http://schemas.openxmlformats.org/officeDocument/2006/relationships" xmlns:p="http://schemas.openxmlformats.org/presentationml/2006/main">
-  <p:cSld>
-    <p:spTree>
-      <p:nvGrpSpPr>
-        <p:cNvPr id="1" name=""/>
-        <p:cNvGrpSpPr/>
-        <p:nvPr/>
-      </p:nvGrpSpPr>
-      <p:grpSpPr>
-        <a:xfrm>
-          <a:off x="0" y="0"/>
-          <a:ext cx="0" cy="0"/>
-          <a:chOff x="0" y="0"/>
-          <a:chExt cx="0" cy="0"/>
-        </a:xfrm>
-      </p:grpSpPr>
-      <p:pic>
-        <p:nvPicPr>
-          <p:cNvPr id="4" name="Content Placeholder 9" descr="Picture 1.png">
-            <a:extLst>
-              <a:ext uri="{FF2B5EF4-FFF2-40B4-BE49-F238E27FC236}">
-                <a16:creationId xmlns:a16="http://schemas.microsoft.com/office/drawing/2014/main" id="{548BE5EC-9575-1847-9F91-986B05624E52}"/>
-              </a:ext>
-            </a:extLst>
-          </p:cNvPr>
-          <p:cNvPicPr>
-            <a:picLocks noChangeAspect="1"/>
-          </p:cNvPicPr>
-          <p:nvPr/>
-        </p:nvPicPr>
-        <p:blipFill>
-          <a:blip r:embed="rId2">
-            <a:extLst>
-              <a:ext uri="{28A0092B-C50C-407E-A947-70E740481C1C}">
-                <a14:useLocalDpi xmlns:a14="http://schemas.microsoft.com/office/drawing/2010/main" val="0"/>
-              </a:ext>
-            </a:extLst>
-          </a:blip>
-          <a:srcRect/>
-          <a:stretch>
-            <a:fillRect/>
-          </a:stretch>
-        </p:blipFill>
-        <p:spPr>
-          <a:xfrm>
-            <a:off x="2822576" y="0"/>
-            <a:ext cx="6518495" cy="6400800"/>
-          </a:xfrm>
-          <a:prstGeom prst="rect">
-            <a:avLst/>
-          </a:prstGeom>
-        </p:spPr>
-      </p:pic>
-    </p:spTree>
-    <p:extLst>
-      <p:ext uri="{BB962C8B-B14F-4D97-AF65-F5344CB8AC3E}">
-        <p14:creationId xmlns:p14="http://schemas.microsoft.com/office/powerpoint/2010/main" val="1334057523"/>
-      </p:ext>
-    </p:extLst>
-  </p:cSld>
-  <p:clrMapOvr>
-    <a:masterClrMapping/>
-  </p:clrMapOvr>
-</p:sld>
-</file>
-
-<file path=ppt/slides/slide3.xml><?xml version="1.0" encoding="utf-8"?>
-<p:sld xmlns:a="http://schemas.openxmlformats.org/drawingml/2006/main" xmlns:r="http://schemas.openxmlformats.org/officeDocument/2006/relationships" xmlns:p="http://schemas.openxmlformats.org/presentationml/2006/main">
-  <p:cSld>
-    <p:spTree>
-      <p:nvGrpSpPr>
-        <p:cNvPr id="1" name=""/>
-        <p:cNvGrpSpPr/>
-        <p:nvPr/>
-      </p:nvGrpSpPr>
-      <p:grpSpPr>
-        <a:xfrm>
-          <a:off x="0" y="0"/>
-          <a:ext cx="0" cy="0"/>
-          <a:chOff x="0" y="0"/>
-          <a:chExt cx="0" cy="0"/>
-        </a:xfrm>
-      </p:grpSpPr>
-      <p:sp>
-        <p:nvSpPr>
           <p:cNvPr id="2" name="Title 1">
             <a:extLst>
               <a:ext uri="{FF2B5EF4-FFF2-40B4-BE49-F238E27FC236}">
@@ -4675,10 +4157,10 @@
                 <a:latin typeface="Calibri" charset="0"/>
                 <a:cs typeface="Segoe UI" charset="0"/>
               </a:rPr>
-              <a:t> Module 2</a:t>
+              <a:t> Module 9</a:t>
             </a:r>
             <a:br>
-              <a:rPr lang="en-US" sz="3600">
+              <a:rPr lang="en-US" sz="3600" dirty="0">
                 <a:solidFill>
                   <a:schemeClr val="bg1"/>
                 </a:solidFill>
@@ -4687,14 +4169,14 @@
               </a:rPr>
             </a:br>
             <a:r>
-              <a:rPr lang="en-US" sz="3600">
+              <a:rPr lang="en-US" sz="3600" dirty="0">
                 <a:solidFill>
                   <a:schemeClr val="bg1"/>
                 </a:solidFill>
                 <a:latin typeface="Calibri" charset="0"/>
                 <a:cs typeface="Segoe UI" charset="0"/>
               </a:rPr>
-              <a:t>Alignment</a:t>
+              <a:t>Alternative Splicing Analysis</a:t>
             </a:r>
             <a:endParaRPr lang="en-US" sz="3200" b="1" dirty="0">
               <a:solidFill>
@@ -4754,28 +4236,6 @@
                 <a:schemeClr val="bg1"/>
               </a:solidFill>
             </a:endParaRPr>
-          </a:p>
-          <a:p>
-            <a:pPr algn="r"/>
-            <a:r>
-              <a:rPr lang="en-US" dirty="0">
-                <a:solidFill>
-                  <a:schemeClr val="bg1"/>
-                </a:solidFill>
-              </a:rPr>
-              <a:t>High-Throughput Biology: From Sequence to Networks</a:t>
-            </a:r>
-          </a:p>
-          <a:p>
-            <a:pPr algn="r"/>
-            <a:r>
-              <a:rPr lang="en-US" dirty="0">
-                <a:solidFill>
-                  <a:schemeClr val="bg1"/>
-                </a:solidFill>
-              </a:rPr>
-              <a:t>March 11-17, 2019</a:t>
-            </a:r>
           </a:p>
         </p:txBody>
       </p:sp>
@@ -4915,14 +4375,14 @@
           </a:ln>
           <a:extLst>
             <a:ext uri="{909E8E84-426E-40dd-AFC4-6F175D3DCCD1}">
-              <a14:hiddenFill xmlns:a14="http://schemas.microsoft.com/office/drawing/2010/main" xmlns="">
+              <a14:hiddenFill xmlns="" xmlns:a14="http://schemas.microsoft.com/office/drawing/2010/main">
                 <a:solidFill>
                   <a:srgbClr val="FFFFFF"/>
                 </a:solidFill>
               </a14:hiddenFill>
             </a:ext>
             <a:ext uri="{91240B29-F687-4f45-9708-019B960494DF}">
-              <a14:hiddenLine xmlns:a14="http://schemas.microsoft.com/office/drawing/2010/main" xmlns="" w="9525">
+              <a14:hiddenLine xmlns="" xmlns:a14="http://schemas.microsoft.com/office/drawing/2010/main" w="9525">
                 <a:solidFill>
                   <a:srgbClr val="000000"/>
                 </a:solidFill>

--- a/assets/lectures/cbw-cshl/2019/mini/RNASeq_MiniLecture_09_04_AlternativeSplicingAnalysis.pptx
+++ b/assets/lectures/cbw-cshl/2019/mini/RNASeq_MiniLecture_09_04_AlternativeSplicingAnalysis.pptx
@@ -5,10 +5,17 @@
     <p:sldMasterId id="2147483660" r:id="rId1"/>
   </p:sldMasterIdLst>
   <p:notesMasterIdLst>
-    <p:notesMasterId r:id="rId3"/>
+    <p:notesMasterId r:id="rId10"/>
   </p:notesMasterIdLst>
   <p:sldIdLst>
     <p:sldId id="259" r:id="rId2"/>
+    <p:sldId id="516" r:id="rId3"/>
+    <p:sldId id="517" r:id="rId4"/>
+    <p:sldId id="518" r:id="rId5"/>
+    <p:sldId id="519" r:id="rId6"/>
+    <p:sldId id="520" r:id="rId7"/>
+    <p:sldId id="521" r:id="rId8"/>
+    <p:sldId id="522" r:id="rId9"/>
   </p:sldIdLst>
   <p:sldSz cx="12192000" cy="6858000"/>
   <p:notesSz cx="6858000" cy="9144000"/>
@@ -464,6 +471,636 @@
 </p:notesMaster>
 </file>
 
+<file path=ppt/notesSlides/notesSlide1.xml><?xml version="1.0" encoding="utf-8"?>
+<p:notes xmlns:a="http://schemas.openxmlformats.org/drawingml/2006/main" xmlns:r="http://schemas.openxmlformats.org/officeDocument/2006/relationships" xmlns:p="http://schemas.openxmlformats.org/presentationml/2006/main">
+  <p:cSld>
+    <p:spTree>
+      <p:nvGrpSpPr>
+        <p:cNvPr id="1" name=""/>
+        <p:cNvGrpSpPr/>
+        <p:nvPr/>
+      </p:nvGrpSpPr>
+      <p:grpSpPr>
+        <a:xfrm>
+          <a:off x="0" y="0"/>
+          <a:ext cx="0" cy="0"/>
+          <a:chOff x="0" y="0"/>
+          <a:chExt cx="0" cy="0"/>
+        </a:xfrm>
+      </p:grpSpPr>
+      <p:sp>
+        <p:nvSpPr>
+          <p:cNvPr id="2" name="Slide Image Placeholder 1"/>
+          <p:cNvSpPr>
+            <a:spLocks noGrp="1" noRot="1" noChangeAspect="1"/>
+          </p:cNvSpPr>
+          <p:nvPr>
+            <p:ph type="sldImg"/>
+          </p:nvPr>
+        </p:nvSpPr>
+        <p:spPr/>
+      </p:sp>
+      <p:sp>
+        <p:nvSpPr>
+          <p:cNvPr id="3" name="Notes Placeholder 2"/>
+          <p:cNvSpPr>
+            <a:spLocks noGrp="1"/>
+          </p:cNvSpPr>
+          <p:nvPr>
+            <p:ph type="body" idx="1"/>
+          </p:nvPr>
+        </p:nvSpPr>
+        <p:spPr/>
+        <p:txBody>
+          <a:bodyPr/>
+          <a:lstStyle/>
+          <a:p>
+            <a:endParaRPr lang="en-US"/>
+          </a:p>
+        </p:txBody>
+      </p:sp>
+      <p:sp>
+        <p:nvSpPr>
+          <p:cNvPr id="4" name="Slide Number Placeholder 3"/>
+          <p:cNvSpPr>
+            <a:spLocks noGrp="1"/>
+          </p:cNvSpPr>
+          <p:nvPr>
+            <p:ph type="sldNum" sz="quarter" idx="10"/>
+          </p:nvPr>
+        </p:nvSpPr>
+        <p:spPr/>
+        <p:txBody>
+          <a:bodyPr/>
+          <a:lstStyle/>
+          <a:p>
+            <a:pPr>
+              <a:defRPr/>
+            </a:pPr>
+            <a:fld id="{F3969550-FBCF-404B-9FAA-7B1DCDF2C4FF}" type="slidenum">
+              <a:rPr lang="en-US" smtClean="0"/>
+              <a:pPr>
+                <a:defRPr/>
+              </a:pPr>
+              <a:t>2</a:t>
+            </a:fld>
+            <a:endParaRPr lang="en-US"/>
+          </a:p>
+        </p:txBody>
+      </p:sp>
+    </p:spTree>
+    <p:extLst>
+      <p:ext uri="{BB962C8B-B14F-4D97-AF65-F5344CB8AC3E}">
+        <p14:creationId xmlns:p14="http://schemas.microsoft.com/office/powerpoint/2010/main" val="2424226827"/>
+      </p:ext>
+    </p:extLst>
+  </p:cSld>
+  <p:clrMapOvr>
+    <a:masterClrMapping/>
+  </p:clrMapOvr>
+</p:notes>
+</file>
+
+<file path=ppt/notesSlides/notesSlide2.xml><?xml version="1.0" encoding="utf-8"?>
+<p:notes xmlns:a="http://schemas.openxmlformats.org/drawingml/2006/main" xmlns:r="http://schemas.openxmlformats.org/officeDocument/2006/relationships" xmlns:p="http://schemas.openxmlformats.org/presentationml/2006/main">
+  <p:cSld>
+    <p:spTree>
+      <p:nvGrpSpPr>
+        <p:cNvPr id="1" name=""/>
+        <p:cNvGrpSpPr/>
+        <p:nvPr/>
+      </p:nvGrpSpPr>
+      <p:grpSpPr>
+        <a:xfrm>
+          <a:off x="0" y="0"/>
+          <a:ext cx="0" cy="0"/>
+          <a:chOff x="0" y="0"/>
+          <a:chExt cx="0" cy="0"/>
+        </a:xfrm>
+      </p:grpSpPr>
+      <p:sp>
+        <p:nvSpPr>
+          <p:cNvPr id="2" name="Slide Image Placeholder 1"/>
+          <p:cNvSpPr>
+            <a:spLocks noGrp="1" noRot="1" noChangeAspect="1"/>
+          </p:cNvSpPr>
+          <p:nvPr>
+            <p:ph type="sldImg"/>
+          </p:nvPr>
+        </p:nvSpPr>
+        <p:spPr/>
+      </p:sp>
+      <p:sp>
+        <p:nvSpPr>
+          <p:cNvPr id="3" name="Notes Placeholder 2"/>
+          <p:cNvSpPr>
+            <a:spLocks noGrp="1"/>
+          </p:cNvSpPr>
+          <p:nvPr>
+            <p:ph type="body" idx="1"/>
+          </p:nvPr>
+        </p:nvSpPr>
+        <p:spPr/>
+        <p:txBody>
+          <a:bodyPr/>
+          <a:lstStyle/>
+          <a:p>
+            <a:endParaRPr lang="en-US"/>
+          </a:p>
+        </p:txBody>
+      </p:sp>
+      <p:sp>
+        <p:nvSpPr>
+          <p:cNvPr id="4" name="Slide Number Placeholder 3"/>
+          <p:cNvSpPr>
+            <a:spLocks noGrp="1"/>
+          </p:cNvSpPr>
+          <p:nvPr>
+            <p:ph type="sldNum" sz="quarter" idx="10"/>
+          </p:nvPr>
+        </p:nvSpPr>
+        <p:spPr/>
+        <p:txBody>
+          <a:bodyPr/>
+          <a:lstStyle/>
+          <a:p>
+            <a:pPr>
+              <a:defRPr/>
+            </a:pPr>
+            <a:fld id="{F3969550-FBCF-404B-9FAA-7B1DCDF2C4FF}" type="slidenum">
+              <a:rPr lang="en-US" smtClean="0"/>
+              <a:pPr>
+                <a:defRPr/>
+              </a:pPr>
+              <a:t>3</a:t>
+            </a:fld>
+            <a:endParaRPr lang="en-US"/>
+          </a:p>
+        </p:txBody>
+      </p:sp>
+    </p:spTree>
+    <p:extLst>
+      <p:ext uri="{BB962C8B-B14F-4D97-AF65-F5344CB8AC3E}">
+        <p14:creationId xmlns:p14="http://schemas.microsoft.com/office/powerpoint/2010/main" val="4208197638"/>
+      </p:ext>
+    </p:extLst>
+  </p:cSld>
+  <p:clrMapOvr>
+    <a:masterClrMapping/>
+  </p:clrMapOvr>
+</p:notes>
+</file>
+
+<file path=ppt/notesSlides/notesSlide3.xml><?xml version="1.0" encoding="utf-8"?>
+<p:notes xmlns:a="http://schemas.openxmlformats.org/drawingml/2006/main" xmlns:r="http://schemas.openxmlformats.org/officeDocument/2006/relationships" xmlns:p="http://schemas.openxmlformats.org/presentationml/2006/main">
+  <p:cSld>
+    <p:spTree>
+      <p:nvGrpSpPr>
+        <p:cNvPr id="1" name=""/>
+        <p:cNvGrpSpPr/>
+        <p:nvPr/>
+      </p:nvGrpSpPr>
+      <p:grpSpPr>
+        <a:xfrm>
+          <a:off x="0" y="0"/>
+          <a:ext cx="0" cy="0"/>
+          <a:chOff x="0" y="0"/>
+          <a:chExt cx="0" cy="0"/>
+        </a:xfrm>
+      </p:grpSpPr>
+      <p:sp>
+        <p:nvSpPr>
+          <p:cNvPr id="2" name="Slide Image Placeholder 1"/>
+          <p:cNvSpPr>
+            <a:spLocks noGrp="1" noRot="1" noChangeAspect="1"/>
+          </p:cNvSpPr>
+          <p:nvPr>
+            <p:ph type="sldImg"/>
+          </p:nvPr>
+        </p:nvSpPr>
+        <p:spPr/>
+      </p:sp>
+      <p:sp>
+        <p:nvSpPr>
+          <p:cNvPr id="3" name="Notes Placeholder 2"/>
+          <p:cNvSpPr>
+            <a:spLocks noGrp="1"/>
+          </p:cNvSpPr>
+          <p:nvPr>
+            <p:ph type="body" idx="1"/>
+          </p:nvPr>
+        </p:nvSpPr>
+        <p:spPr/>
+        <p:txBody>
+          <a:bodyPr/>
+          <a:lstStyle/>
+          <a:p>
+            <a:endParaRPr lang="en-US"/>
+          </a:p>
+        </p:txBody>
+      </p:sp>
+      <p:sp>
+        <p:nvSpPr>
+          <p:cNvPr id="4" name="Slide Number Placeholder 3"/>
+          <p:cNvSpPr>
+            <a:spLocks noGrp="1"/>
+          </p:cNvSpPr>
+          <p:nvPr>
+            <p:ph type="sldNum" sz="quarter" idx="10"/>
+          </p:nvPr>
+        </p:nvSpPr>
+        <p:spPr/>
+        <p:txBody>
+          <a:bodyPr/>
+          <a:lstStyle/>
+          <a:p>
+            <a:pPr>
+              <a:defRPr/>
+            </a:pPr>
+            <a:fld id="{F3969550-FBCF-404B-9FAA-7B1DCDF2C4FF}" type="slidenum">
+              <a:rPr lang="en-US" smtClean="0"/>
+              <a:pPr>
+                <a:defRPr/>
+              </a:pPr>
+              <a:t>4</a:t>
+            </a:fld>
+            <a:endParaRPr lang="en-US"/>
+          </a:p>
+        </p:txBody>
+      </p:sp>
+    </p:spTree>
+    <p:extLst>
+      <p:ext uri="{BB962C8B-B14F-4D97-AF65-F5344CB8AC3E}">
+        <p14:creationId xmlns:p14="http://schemas.microsoft.com/office/powerpoint/2010/main" val="176576810"/>
+      </p:ext>
+    </p:extLst>
+  </p:cSld>
+  <p:clrMapOvr>
+    <a:masterClrMapping/>
+  </p:clrMapOvr>
+</p:notes>
+</file>
+
+<file path=ppt/notesSlides/notesSlide4.xml><?xml version="1.0" encoding="utf-8"?>
+<p:notes xmlns:a="http://schemas.openxmlformats.org/drawingml/2006/main" xmlns:r="http://schemas.openxmlformats.org/officeDocument/2006/relationships" xmlns:p="http://schemas.openxmlformats.org/presentationml/2006/main">
+  <p:cSld>
+    <p:spTree>
+      <p:nvGrpSpPr>
+        <p:cNvPr id="1" name=""/>
+        <p:cNvGrpSpPr/>
+        <p:nvPr/>
+      </p:nvGrpSpPr>
+      <p:grpSpPr>
+        <a:xfrm>
+          <a:off x="0" y="0"/>
+          <a:ext cx="0" cy="0"/>
+          <a:chOff x="0" y="0"/>
+          <a:chExt cx="0" cy="0"/>
+        </a:xfrm>
+      </p:grpSpPr>
+      <p:sp>
+        <p:nvSpPr>
+          <p:cNvPr id="2" name="Slide Image Placeholder 1"/>
+          <p:cNvSpPr>
+            <a:spLocks noGrp="1" noRot="1" noChangeAspect="1"/>
+          </p:cNvSpPr>
+          <p:nvPr>
+            <p:ph type="sldImg"/>
+          </p:nvPr>
+        </p:nvSpPr>
+        <p:spPr/>
+      </p:sp>
+      <p:sp>
+        <p:nvSpPr>
+          <p:cNvPr id="3" name="Notes Placeholder 2"/>
+          <p:cNvSpPr>
+            <a:spLocks noGrp="1"/>
+          </p:cNvSpPr>
+          <p:nvPr>
+            <p:ph type="body" idx="1"/>
+          </p:nvPr>
+        </p:nvSpPr>
+        <p:spPr/>
+        <p:txBody>
+          <a:bodyPr/>
+          <a:lstStyle/>
+          <a:p>
+            <a:endParaRPr lang="en-US"/>
+          </a:p>
+        </p:txBody>
+      </p:sp>
+      <p:sp>
+        <p:nvSpPr>
+          <p:cNvPr id="4" name="Slide Number Placeholder 3"/>
+          <p:cNvSpPr>
+            <a:spLocks noGrp="1"/>
+          </p:cNvSpPr>
+          <p:nvPr>
+            <p:ph type="sldNum" sz="quarter" idx="10"/>
+          </p:nvPr>
+        </p:nvSpPr>
+        <p:spPr/>
+        <p:txBody>
+          <a:bodyPr/>
+          <a:lstStyle/>
+          <a:p>
+            <a:pPr>
+              <a:defRPr/>
+            </a:pPr>
+            <a:fld id="{F3969550-FBCF-404B-9FAA-7B1DCDF2C4FF}" type="slidenum">
+              <a:rPr lang="en-US" smtClean="0"/>
+              <a:pPr>
+                <a:defRPr/>
+              </a:pPr>
+              <a:t>5</a:t>
+            </a:fld>
+            <a:endParaRPr lang="en-US"/>
+          </a:p>
+        </p:txBody>
+      </p:sp>
+    </p:spTree>
+    <p:extLst>
+      <p:ext uri="{BB962C8B-B14F-4D97-AF65-F5344CB8AC3E}">
+        <p14:creationId xmlns:p14="http://schemas.microsoft.com/office/powerpoint/2010/main" val="1741742854"/>
+      </p:ext>
+    </p:extLst>
+  </p:cSld>
+  <p:clrMapOvr>
+    <a:masterClrMapping/>
+  </p:clrMapOvr>
+</p:notes>
+</file>
+
+<file path=ppt/notesSlides/notesSlide5.xml><?xml version="1.0" encoding="utf-8"?>
+<p:notes xmlns:a="http://schemas.openxmlformats.org/drawingml/2006/main" xmlns:r="http://schemas.openxmlformats.org/officeDocument/2006/relationships" xmlns:p="http://schemas.openxmlformats.org/presentationml/2006/main">
+  <p:cSld>
+    <p:spTree>
+      <p:nvGrpSpPr>
+        <p:cNvPr id="1" name=""/>
+        <p:cNvGrpSpPr/>
+        <p:nvPr/>
+      </p:nvGrpSpPr>
+      <p:grpSpPr>
+        <a:xfrm>
+          <a:off x="0" y="0"/>
+          <a:ext cx="0" cy="0"/>
+          <a:chOff x="0" y="0"/>
+          <a:chExt cx="0" cy="0"/>
+        </a:xfrm>
+      </p:grpSpPr>
+      <p:sp>
+        <p:nvSpPr>
+          <p:cNvPr id="2" name="Slide Image Placeholder 1"/>
+          <p:cNvSpPr>
+            <a:spLocks noGrp="1" noRot="1" noChangeAspect="1"/>
+          </p:cNvSpPr>
+          <p:nvPr>
+            <p:ph type="sldImg"/>
+          </p:nvPr>
+        </p:nvSpPr>
+        <p:spPr/>
+      </p:sp>
+      <p:sp>
+        <p:nvSpPr>
+          <p:cNvPr id="3" name="Notes Placeholder 2"/>
+          <p:cNvSpPr>
+            <a:spLocks noGrp="1"/>
+          </p:cNvSpPr>
+          <p:nvPr>
+            <p:ph type="body" idx="1"/>
+          </p:nvPr>
+        </p:nvSpPr>
+        <p:spPr/>
+        <p:txBody>
+          <a:bodyPr/>
+          <a:lstStyle/>
+          <a:p>
+            <a:endParaRPr lang="en-US"/>
+          </a:p>
+        </p:txBody>
+      </p:sp>
+      <p:sp>
+        <p:nvSpPr>
+          <p:cNvPr id="4" name="Slide Number Placeholder 3"/>
+          <p:cNvSpPr>
+            <a:spLocks noGrp="1"/>
+          </p:cNvSpPr>
+          <p:nvPr>
+            <p:ph type="sldNum" sz="quarter" idx="10"/>
+          </p:nvPr>
+        </p:nvSpPr>
+        <p:spPr/>
+        <p:txBody>
+          <a:bodyPr/>
+          <a:lstStyle/>
+          <a:p>
+            <a:pPr>
+              <a:defRPr/>
+            </a:pPr>
+            <a:fld id="{F3969550-FBCF-404B-9FAA-7B1DCDF2C4FF}" type="slidenum">
+              <a:rPr lang="en-US" smtClean="0"/>
+              <a:pPr>
+                <a:defRPr/>
+              </a:pPr>
+              <a:t>6</a:t>
+            </a:fld>
+            <a:endParaRPr lang="en-US"/>
+          </a:p>
+        </p:txBody>
+      </p:sp>
+    </p:spTree>
+    <p:extLst>
+      <p:ext uri="{BB962C8B-B14F-4D97-AF65-F5344CB8AC3E}">
+        <p14:creationId xmlns:p14="http://schemas.microsoft.com/office/powerpoint/2010/main" val="434189542"/>
+      </p:ext>
+    </p:extLst>
+  </p:cSld>
+  <p:clrMapOvr>
+    <a:masterClrMapping/>
+  </p:clrMapOvr>
+</p:notes>
+</file>
+
+<file path=ppt/notesSlides/notesSlide6.xml><?xml version="1.0" encoding="utf-8"?>
+<p:notes xmlns:a="http://schemas.openxmlformats.org/drawingml/2006/main" xmlns:r="http://schemas.openxmlformats.org/officeDocument/2006/relationships" xmlns:p="http://schemas.openxmlformats.org/presentationml/2006/main">
+  <p:cSld>
+    <p:spTree>
+      <p:nvGrpSpPr>
+        <p:cNvPr id="1" name=""/>
+        <p:cNvGrpSpPr/>
+        <p:nvPr/>
+      </p:nvGrpSpPr>
+      <p:grpSpPr>
+        <a:xfrm>
+          <a:off x="0" y="0"/>
+          <a:ext cx="0" cy="0"/>
+          <a:chOff x="0" y="0"/>
+          <a:chExt cx="0" cy="0"/>
+        </a:xfrm>
+      </p:grpSpPr>
+      <p:sp>
+        <p:nvSpPr>
+          <p:cNvPr id="2" name="Slide Image Placeholder 1"/>
+          <p:cNvSpPr>
+            <a:spLocks noGrp="1" noRot="1" noChangeAspect="1"/>
+          </p:cNvSpPr>
+          <p:nvPr>
+            <p:ph type="sldImg"/>
+          </p:nvPr>
+        </p:nvSpPr>
+        <p:spPr/>
+      </p:sp>
+      <p:sp>
+        <p:nvSpPr>
+          <p:cNvPr id="3" name="Notes Placeholder 2"/>
+          <p:cNvSpPr>
+            <a:spLocks noGrp="1"/>
+          </p:cNvSpPr>
+          <p:nvPr>
+            <p:ph type="body" idx="1"/>
+          </p:nvPr>
+        </p:nvSpPr>
+        <p:spPr/>
+        <p:txBody>
+          <a:bodyPr/>
+          <a:lstStyle/>
+          <a:p>
+            <a:endParaRPr lang="en-US"/>
+          </a:p>
+        </p:txBody>
+      </p:sp>
+      <p:sp>
+        <p:nvSpPr>
+          <p:cNvPr id="4" name="Slide Number Placeholder 3"/>
+          <p:cNvSpPr>
+            <a:spLocks noGrp="1"/>
+          </p:cNvSpPr>
+          <p:nvPr>
+            <p:ph type="sldNum" sz="quarter" idx="10"/>
+          </p:nvPr>
+        </p:nvSpPr>
+        <p:spPr/>
+        <p:txBody>
+          <a:bodyPr/>
+          <a:lstStyle/>
+          <a:p>
+            <a:pPr>
+              <a:defRPr/>
+            </a:pPr>
+            <a:fld id="{F3969550-FBCF-404B-9FAA-7B1DCDF2C4FF}" type="slidenum">
+              <a:rPr lang="en-US" smtClean="0"/>
+              <a:pPr>
+                <a:defRPr/>
+              </a:pPr>
+              <a:t>7</a:t>
+            </a:fld>
+            <a:endParaRPr lang="en-US"/>
+          </a:p>
+        </p:txBody>
+      </p:sp>
+    </p:spTree>
+    <p:extLst>
+      <p:ext uri="{BB962C8B-B14F-4D97-AF65-F5344CB8AC3E}">
+        <p14:creationId xmlns:p14="http://schemas.microsoft.com/office/powerpoint/2010/main" val="1009812330"/>
+      </p:ext>
+    </p:extLst>
+  </p:cSld>
+  <p:clrMapOvr>
+    <a:masterClrMapping/>
+  </p:clrMapOvr>
+</p:notes>
+</file>
+
+<file path=ppt/notesSlides/notesSlide7.xml><?xml version="1.0" encoding="utf-8"?>
+<p:notes xmlns:a="http://schemas.openxmlformats.org/drawingml/2006/main" xmlns:r="http://schemas.openxmlformats.org/officeDocument/2006/relationships" xmlns:p="http://schemas.openxmlformats.org/presentationml/2006/main">
+  <p:cSld>
+    <p:spTree>
+      <p:nvGrpSpPr>
+        <p:cNvPr id="1" name=""/>
+        <p:cNvGrpSpPr/>
+        <p:nvPr/>
+      </p:nvGrpSpPr>
+      <p:grpSpPr>
+        <a:xfrm>
+          <a:off x="0" y="0"/>
+          <a:ext cx="0" cy="0"/>
+          <a:chOff x="0" y="0"/>
+          <a:chExt cx="0" cy="0"/>
+        </a:xfrm>
+      </p:grpSpPr>
+      <p:sp>
+        <p:nvSpPr>
+          <p:cNvPr id="2" name="Slide Image Placeholder 1"/>
+          <p:cNvSpPr>
+            <a:spLocks noGrp="1" noRot="1" noChangeAspect="1"/>
+          </p:cNvSpPr>
+          <p:nvPr>
+            <p:ph type="sldImg"/>
+          </p:nvPr>
+        </p:nvSpPr>
+        <p:spPr/>
+      </p:sp>
+      <p:sp>
+        <p:nvSpPr>
+          <p:cNvPr id="3" name="Notes Placeholder 2"/>
+          <p:cNvSpPr>
+            <a:spLocks noGrp="1"/>
+          </p:cNvSpPr>
+          <p:nvPr>
+            <p:ph type="body" idx="1"/>
+          </p:nvPr>
+        </p:nvSpPr>
+        <p:spPr/>
+        <p:txBody>
+          <a:bodyPr/>
+          <a:lstStyle/>
+          <a:p>
+            <a:endParaRPr lang="en-US"/>
+          </a:p>
+        </p:txBody>
+      </p:sp>
+      <p:sp>
+        <p:nvSpPr>
+          <p:cNvPr id="4" name="Slide Number Placeholder 3"/>
+          <p:cNvSpPr>
+            <a:spLocks noGrp="1"/>
+          </p:cNvSpPr>
+          <p:nvPr>
+            <p:ph type="sldNum" sz="quarter" idx="10"/>
+          </p:nvPr>
+        </p:nvSpPr>
+        <p:spPr/>
+        <p:txBody>
+          <a:bodyPr/>
+          <a:lstStyle/>
+          <a:p>
+            <a:pPr>
+              <a:defRPr/>
+            </a:pPr>
+            <a:fld id="{F3969550-FBCF-404B-9FAA-7B1DCDF2C4FF}" type="slidenum">
+              <a:rPr lang="en-US" smtClean="0"/>
+              <a:pPr>
+                <a:defRPr/>
+              </a:pPr>
+              <a:t>8</a:t>
+            </a:fld>
+            <a:endParaRPr lang="en-US"/>
+          </a:p>
+        </p:txBody>
+      </p:sp>
+    </p:spTree>
+    <p:extLst>
+      <p:ext uri="{BB962C8B-B14F-4D97-AF65-F5344CB8AC3E}">
+        <p14:creationId xmlns:p14="http://schemas.microsoft.com/office/powerpoint/2010/main" val="2304487805"/>
+      </p:ext>
+    </p:extLst>
+  </p:cSld>
+  <p:clrMapOvr>
+    <a:masterClrMapping/>
+  </p:clrMapOvr>
+</p:notes>
+</file>
+
 <file path=ppt/slideLayouts/slideLayout1.xml><?xml version="1.0" encoding="utf-8"?>
 <p:sldLayout xmlns:a="http://schemas.openxmlformats.org/drawingml/2006/main" xmlns:r="http://schemas.openxmlformats.org/officeDocument/2006/relationships" xmlns:p="http://schemas.openxmlformats.org/presentationml/2006/main" type="title" preserve="1">
   <p:cSld name="Title Slide">
@@ -718,14 +1355,14 @@
           </a:ln>
           <a:extLst>
             <a:ext uri="{909E8E84-426E-40dd-AFC4-6F175D3DCCD1}">
-              <a14:hiddenFill xmlns="" xmlns:a14="http://schemas.microsoft.com/office/drawing/2010/main">
+              <a14:hiddenFill xmlns:a14="http://schemas.microsoft.com/office/drawing/2010/main" xmlns="">
                 <a:solidFill>
                   <a:srgbClr val="FFFFFF"/>
                 </a:solidFill>
               </a14:hiddenFill>
             </a:ext>
             <a:ext uri="{91240B29-F687-4f45-9708-019B960494DF}">
-              <a14:hiddenLine xmlns="" xmlns:a14="http://schemas.microsoft.com/office/drawing/2010/main" w="9525">
+              <a14:hiddenLine xmlns:a14="http://schemas.microsoft.com/office/drawing/2010/main" xmlns="" w="9525">
                 <a:solidFill>
                   <a:srgbClr val="000000"/>
                 </a:solidFill>
@@ -3481,14 +4118,14 @@
           </a:ln>
           <a:extLst>
             <a:ext uri="{909E8E84-426E-40dd-AFC4-6F175D3DCCD1}">
-              <a14:hiddenFill xmlns="" xmlns:a14="http://schemas.microsoft.com/office/drawing/2010/main">
+              <a14:hiddenFill xmlns:a14="http://schemas.microsoft.com/office/drawing/2010/main" xmlns="">
                 <a:solidFill>
                   <a:srgbClr val="FFFFFF"/>
                 </a:solidFill>
               </a14:hiddenFill>
             </a:ext>
             <a:ext uri="{91240B29-F687-4f45-9708-019B960494DF}">
-              <a14:hiddenLine xmlns="" xmlns:a14="http://schemas.microsoft.com/office/drawing/2010/main" w="9525">
+              <a14:hiddenLine xmlns:a14="http://schemas.microsoft.com/office/drawing/2010/main" xmlns="" w="9525">
                 <a:solidFill>
                   <a:srgbClr val="000000"/>
                 </a:solidFill>
@@ -4375,14 +5012,14 @@
           </a:ln>
           <a:extLst>
             <a:ext uri="{909E8E84-426E-40dd-AFC4-6F175D3DCCD1}">
-              <a14:hiddenFill xmlns="" xmlns:a14="http://schemas.microsoft.com/office/drawing/2010/main">
+              <a14:hiddenFill xmlns:a14="http://schemas.microsoft.com/office/drawing/2010/main" xmlns="">
                 <a:solidFill>
                   <a:srgbClr val="FFFFFF"/>
                 </a:solidFill>
               </a14:hiddenFill>
             </a:ext>
             <a:ext uri="{91240B29-F687-4f45-9708-019B960494DF}">
-              <a14:hiddenLine xmlns="" xmlns:a14="http://schemas.microsoft.com/office/drawing/2010/main" w="9525">
+              <a14:hiddenLine xmlns:a14="http://schemas.microsoft.com/office/drawing/2010/main" xmlns="" w="9525">
                 <a:solidFill>
                   <a:srgbClr val="000000"/>
                 </a:solidFill>
@@ -4398,6 +5035,1205 @@
     <p:extLst>
       <p:ext uri="{BB962C8B-B14F-4D97-AF65-F5344CB8AC3E}">
         <p14:creationId xmlns:p14="http://schemas.microsoft.com/office/powerpoint/2010/main" val="1702947648"/>
+      </p:ext>
+    </p:extLst>
+  </p:cSld>
+  <p:clrMapOvr>
+    <a:masterClrMapping/>
+  </p:clrMapOvr>
+</p:sld>
+</file>
+
+<file path=ppt/slides/slide2.xml><?xml version="1.0" encoding="utf-8"?>
+<p:sld xmlns:a="http://schemas.openxmlformats.org/drawingml/2006/main" xmlns:r="http://schemas.openxmlformats.org/officeDocument/2006/relationships" xmlns:p="http://schemas.openxmlformats.org/presentationml/2006/main">
+  <p:cSld>
+    <p:spTree>
+      <p:nvGrpSpPr>
+        <p:cNvPr id="1" name=""/>
+        <p:cNvGrpSpPr/>
+        <p:nvPr/>
+      </p:nvGrpSpPr>
+      <p:grpSpPr>
+        <a:xfrm>
+          <a:off x="0" y="0"/>
+          <a:ext cx="0" cy="0"/>
+          <a:chOff x="0" y="0"/>
+          <a:chExt cx="0" cy="0"/>
+        </a:xfrm>
+      </p:grpSpPr>
+      <p:sp>
+        <p:nvSpPr>
+          <p:cNvPr id="15361" name="Title 1"/>
+          <p:cNvSpPr>
+            <a:spLocks noGrp="1"/>
+          </p:cNvSpPr>
+          <p:nvPr>
+            <p:ph type="title"/>
+          </p:nvPr>
+        </p:nvSpPr>
+        <p:spPr>
+          <a:xfrm>
+            <a:off x="1676400" y="116633"/>
+            <a:ext cx="3411488" cy="1143001"/>
+          </a:xfrm>
+        </p:spPr>
+        <p:txBody>
+          <a:bodyPr>
+            <a:normAutofit fontScale="90000"/>
+          </a:bodyPr>
+          <a:lstStyle/>
+          <a:p>
+            <a:r>
+              <a:rPr lang="en-US" b="1" dirty="0">
+                <a:latin typeface="Calibri" charset="0"/>
+                <a:ea typeface="ＭＳ Ｐゴシック" charset="0"/>
+              </a:rPr>
+              <a:t>Review of gene expression</a:t>
+            </a:r>
+          </a:p>
+        </p:txBody>
+      </p:sp>
+      <p:pic>
+        <p:nvPicPr>
+          <p:cNvPr id="3" name="Picture 2" descr="Figure1.png"/>
+          <p:cNvPicPr>
+            <a:picLocks noChangeAspect="1"/>
+          </p:cNvPicPr>
+          <p:nvPr/>
+        </p:nvPicPr>
+        <p:blipFill>
+          <a:blip r:embed="rId3" cstate="print">
+            <a:extLst>
+              <a:ext uri="{28A0092B-C50C-407E-A947-70E740481C1C}">
+                <a14:useLocalDpi xmlns:a14="http://schemas.microsoft.com/office/drawing/2010/main" val="0"/>
+              </a:ext>
+            </a:extLst>
+          </a:blip>
+          <a:stretch>
+            <a:fillRect/>
+          </a:stretch>
+        </p:blipFill>
+        <p:spPr>
+          <a:xfrm>
+            <a:off x="5320144" y="116632"/>
+            <a:ext cx="4880312" cy="6102436"/>
+          </a:xfrm>
+          <a:prstGeom prst="rect">
+            <a:avLst/>
+          </a:prstGeom>
+        </p:spPr>
+      </p:pic>
+    </p:spTree>
+    <p:extLst>
+      <p:ext uri="{BB962C8B-B14F-4D97-AF65-F5344CB8AC3E}">
+        <p14:creationId xmlns:p14="http://schemas.microsoft.com/office/powerpoint/2010/main" val="637681289"/>
+      </p:ext>
+    </p:extLst>
+  </p:cSld>
+  <p:clrMapOvr>
+    <a:masterClrMapping/>
+  </p:clrMapOvr>
+</p:sld>
+</file>
+
+<file path=ppt/slides/slide3.xml><?xml version="1.0" encoding="utf-8"?>
+<p:sld xmlns:a="http://schemas.openxmlformats.org/drawingml/2006/main" xmlns:r="http://schemas.openxmlformats.org/officeDocument/2006/relationships" xmlns:p="http://schemas.openxmlformats.org/presentationml/2006/main">
+  <p:cSld>
+    <p:spTree>
+      <p:nvGrpSpPr>
+        <p:cNvPr id="1" name=""/>
+        <p:cNvGrpSpPr/>
+        <p:nvPr/>
+      </p:nvGrpSpPr>
+      <p:grpSpPr>
+        <a:xfrm>
+          <a:off x="0" y="0"/>
+          <a:ext cx="0" cy="0"/>
+          <a:chOff x="0" y="0"/>
+          <a:chExt cx="0" cy="0"/>
+        </a:xfrm>
+      </p:grpSpPr>
+      <p:sp>
+        <p:nvSpPr>
+          <p:cNvPr id="18433" name="Title 1"/>
+          <p:cNvSpPr>
+            <a:spLocks noGrp="1"/>
+          </p:cNvSpPr>
+          <p:nvPr>
+            <p:ph type="title"/>
+          </p:nvPr>
+        </p:nvSpPr>
+        <p:spPr>
+          <a:xfrm>
+            <a:off x="1676400" y="-26988"/>
+            <a:ext cx="8839200" cy="1143001"/>
+          </a:xfrm>
+        </p:spPr>
+        <p:txBody>
+          <a:bodyPr>
+            <a:normAutofit fontScale="90000"/>
+          </a:bodyPr>
+          <a:lstStyle/>
+          <a:p>
+            <a:r>
+              <a:rPr lang="en-US" b="1" dirty="0">
+                <a:latin typeface="Calibri" charset="0"/>
+                <a:ea typeface="ＭＳ Ｐゴシック" charset="0"/>
+              </a:rPr>
+              <a:t>Types of alternative expression - part 1</a:t>
+            </a:r>
+          </a:p>
+        </p:txBody>
+      </p:sp>
+      <p:pic>
+        <p:nvPicPr>
+          <p:cNvPr id="18434" name="Content Placeholder 3" descr="Figure2.png"/>
+          <p:cNvPicPr>
+            <a:picLocks noGrp="1" noChangeAspect="1"/>
+          </p:cNvPicPr>
+          <p:nvPr>
+            <p:ph idx="1"/>
+          </p:nvPr>
+        </p:nvPicPr>
+        <p:blipFill>
+          <a:blip r:embed="rId3">
+            <a:extLst>
+              <a:ext uri="{28A0092B-C50C-407E-A947-70E740481C1C}">
+                <a14:useLocalDpi xmlns:a14="http://schemas.microsoft.com/office/drawing/2010/main" val="0"/>
+              </a:ext>
+            </a:extLst>
+          </a:blip>
+          <a:srcRect l="-249" r="-1949" b="48083"/>
+          <a:stretch>
+            <a:fillRect/>
+          </a:stretch>
+        </p:blipFill>
+        <p:spPr>
+          <a:xfrm>
+            <a:off x="2801938" y="1341439"/>
+            <a:ext cx="7129462" cy="4611687"/>
+          </a:xfrm>
+        </p:spPr>
+      </p:pic>
+    </p:spTree>
+    <p:extLst>
+      <p:ext uri="{BB962C8B-B14F-4D97-AF65-F5344CB8AC3E}">
+        <p14:creationId xmlns:p14="http://schemas.microsoft.com/office/powerpoint/2010/main" val="2380319224"/>
+      </p:ext>
+    </p:extLst>
+  </p:cSld>
+  <p:clrMapOvr>
+    <a:masterClrMapping/>
+  </p:clrMapOvr>
+</p:sld>
+</file>
+
+<file path=ppt/slides/slide4.xml><?xml version="1.0" encoding="utf-8"?>
+<p:sld xmlns:a="http://schemas.openxmlformats.org/drawingml/2006/main" xmlns:r="http://schemas.openxmlformats.org/officeDocument/2006/relationships" xmlns:p="http://schemas.openxmlformats.org/presentationml/2006/main">
+  <p:cSld>
+    <p:spTree>
+      <p:nvGrpSpPr>
+        <p:cNvPr id="1" name=""/>
+        <p:cNvGrpSpPr/>
+        <p:nvPr/>
+      </p:nvGrpSpPr>
+      <p:grpSpPr>
+        <a:xfrm>
+          <a:off x="0" y="0"/>
+          <a:ext cx="0" cy="0"/>
+          <a:chOff x="0" y="0"/>
+          <a:chExt cx="0" cy="0"/>
+        </a:xfrm>
+      </p:grpSpPr>
+      <p:sp>
+        <p:nvSpPr>
+          <p:cNvPr id="19457" name="Title 1"/>
+          <p:cNvSpPr>
+            <a:spLocks noGrp="1"/>
+          </p:cNvSpPr>
+          <p:nvPr>
+            <p:ph type="title"/>
+          </p:nvPr>
+        </p:nvSpPr>
+        <p:spPr>
+          <a:xfrm>
+            <a:off x="1676400" y="-26988"/>
+            <a:ext cx="8839200" cy="1143001"/>
+          </a:xfrm>
+        </p:spPr>
+        <p:txBody>
+          <a:bodyPr>
+            <a:normAutofit fontScale="90000"/>
+          </a:bodyPr>
+          <a:lstStyle/>
+          <a:p>
+            <a:r>
+              <a:rPr lang="en-US" b="1" dirty="0">
+                <a:latin typeface="Calibri" charset="0"/>
+                <a:ea typeface="ＭＳ Ｐゴシック" charset="0"/>
+              </a:rPr>
+              <a:t>Types of alternative expression – part 2</a:t>
+            </a:r>
+          </a:p>
+        </p:txBody>
+      </p:sp>
+      <p:pic>
+        <p:nvPicPr>
+          <p:cNvPr id="19458" name="Content Placeholder 3" descr="Figure2.png"/>
+          <p:cNvPicPr>
+            <a:picLocks noGrp="1" noChangeAspect="1"/>
+          </p:cNvPicPr>
+          <p:nvPr>
+            <p:ph idx="1"/>
+          </p:nvPr>
+        </p:nvPicPr>
+        <p:blipFill>
+          <a:blip r:embed="rId3">
+            <a:extLst>
+              <a:ext uri="{28A0092B-C50C-407E-A947-70E740481C1C}">
+                <a14:useLocalDpi xmlns:a14="http://schemas.microsoft.com/office/drawing/2010/main" val="0"/>
+              </a:ext>
+            </a:extLst>
+          </a:blip>
+          <a:srcRect l="-500" t="52509" r="-2956"/>
+          <a:stretch>
+            <a:fillRect/>
+          </a:stretch>
+        </p:blipFill>
+        <p:spPr>
+          <a:xfrm>
+            <a:off x="2424114" y="1341438"/>
+            <a:ext cx="7654925" cy="4475162"/>
+          </a:xfrm>
+        </p:spPr>
+      </p:pic>
+    </p:spTree>
+    <p:extLst>
+      <p:ext uri="{BB962C8B-B14F-4D97-AF65-F5344CB8AC3E}">
+        <p14:creationId xmlns:p14="http://schemas.microsoft.com/office/powerpoint/2010/main" val="3646894538"/>
+      </p:ext>
+    </p:extLst>
+  </p:cSld>
+  <p:clrMapOvr>
+    <a:masterClrMapping/>
+  </p:clrMapOvr>
+</p:sld>
+</file>
+
+<file path=ppt/slides/slide5.xml><?xml version="1.0" encoding="utf-8"?>
+<p:sld xmlns:a="http://schemas.openxmlformats.org/drawingml/2006/main" xmlns:r="http://schemas.openxmlformats.org/officeDocument/2006/relationships" xmlns:p="http://schemas.openxmlformats.org/presentationml/2006/main">
+  <p:cSld>
+    <p:spTree>
+      <p:nvGrpSpPr>
+        <p:cNvPr id="1" name=""/>
+        <p:cNvGrpSpPr/>
+        <p:nvPr/>
+      </p:nvGrpSpPr>
+      <p:grpSpPr>
+        <a:xfrm>
+          <a:off x="0" y="0"/>
+          <a:ext cx="0" cy="0"/>
+          <a:chOff x="0" y="0"/>
+          <a:chExt cx="0" cy="0"/>
+        </a:xfrm>
+      </p:grpSpPr>
+      <p:sp>
+        <p:nvSpPr>
+          <p:cNvPr id="16385" name="Title 1"/>
+          <p:cNvSpPr>
+            <a:spLocks noGrp="1"/>
+          </p:cNvSpPr>
+          <p:nvPr>
+            <p:ph type="title"/>
+          </p:nvPr>
+        </p:nvSpPr>
+        <p:spPr>
+          <a:xfrm>
+            <a:off x="1676400" y="-26988"/>
+            <a:ext cx="8839200" cy="1143001"/>
+          </a:xfrm>
+        </p:spPr>
+        <p:txBody>
+          <a:bodyPr>
+            <a:normAutofit fontScale="90000"/>
+          </a:bodyPr>
+          <a:lstStyle/>
+          <a:p>
+            <a:r>
+              <a:rPr lang="en-US" b="1" dirty="0">
+                <a:latin typeface="Calibri" charset="0"/>
+                <a:ea typeface="ＭＳ Ｐゴシック" charset="0"/>
+              </a:rPr>
+              <a:t>Methods to study splicing by RNA-</a:t>
+            </a:r>
+            <a:r>
+              <a:rPr lang="en-US" b="1" dirty="0" err="1">
+                <a:latin typeface="Calibri" charset="0"/>
+                <a:ea typeface="ＭＳ Ｐゴシック" charset="0"/>
+              </a:rPr>
+              <a:t>seq</a:t>
+            </a:r>
+            <a:endParaRPr lang="en-US" b="1" dirty="0">
+              <a:latin typeface="Calibri" charset="0"/>
+              <a:ea typeface="ＭＳ Ｐゴシック" charset="0"/>
+            </a:endParaRPr>
+          </a:p>
+        </p:txBody>
+      </p:sp>
+      <p:pic>
+        <p:nvPicPr>
+          <p:cNvPr id="16386" name="Content Placeholder 3" descr="RNAseqToolsForAlternativeSplicing.jpg"/>
+          <p:cNvPicPr>
+            <a:picLocks noGrp="1" noChangeAspect="1"/>
+          </p:cNvPicPr>
+          <p:nvPr>
+            <p:ph idx="1"/>
+          </p:nvPr>
+        </p:nvPicPr>
+        <p:blipFill>
+          <a:blip r:embed="rId3">
+            <a:extLst>
+              <a:ext uri="{28A0092B-C50C-407E-A947-70E740481C1C}">
+                <a14:useLocalDpi xmlns:a14="http://schemas.microsoft.com/office/drawing/2010/main" val="0"/>
+              </a:ext>
+            </a:extLst>
+          </a:blip>
+          <a:srcRect l="5405" t="1907" r="5653" b="3806"/>
+          <a:stretch>
+            <a:fillRect/>
+          </a:stretch>
+        </p:blipFill>
+        <p:spPr>
+          <a:xfrm>
+            <a:off x="3787776" y="981075"/>
+            <a:ext cx="4608513" cy="4884738"/>
+          </a:xfrm>
+        </p:spPr>
+      </p:pic>
+      <p:sp>
+        <p:nvSpPr>
+          <p:cNvPr id="16387" name="TextBox 4"/>
+          <p:cNvSpPr txBox="1">
+            <a:spLocks noChangeArrowheads="1"/>
+          </p:cNvSpPr>
+          <p:nvPr/>
+        </p:nvSpPr>
+        <p:spPr bwMode="auto">
+          <a:xfrm>
+            <a:off x="2057400" y="5876926"/>
+            <a:ext cx="8070850" cy="523875"/>
+          </a:xfrm>
+          <a:prstGeom prst="rect">
+            <a:avLst/>
+          </a:prstGeom>
+          <a:noFill/>
+          <a:ln>
+            <a:noFill/>
+          </a:ln>
+          <a:extLst>
+            <a:ext uri="{909E8E84-426E-40dd-AFC4-6F175D3DCCD1}">
+              <a14:hiddenFill xmlns:a14="http://schemas.microsoft.com/office/drawing/2010/main" xmlns="">
+                <a:solidFill>
+                  <a:srgbClr val="FFFFFF"/>
+                </a:solidFill>
+              </a14:hiddenFill>
+            </a:ext>
+            <a:ext uri="{91240B29-F687-4f45-9708-019B960494DF}">
+              <a14:hiddenLine xmlns:a14="http://schemas.microsoft.com/office/drawing/2010/main" xmlns="" w="9525">
+                <a:solidFill>
+                  <a:srgbClr val="000000"/>
+                </a:solidFill>
+                <a:miter lim="800000"/>
+                <a:headEnd/>
+                <a:tailEnd/>
+              </a14:hiddenLine>
+            </a:ext>
+          </a:extLst>
+        </p:spPr>
+        <p:txBody>
+          <a:bodyPr wrap="none">
+            <a:spAutoFit/>
+          </a:bodyPr>
+          <a:lstStyle>
+            <a:lvl1pPr eaLnBrk="0" hangingPunct="0">
+              <a:defRPr sz="2400">
+                <a:solidFill>
+                  <a:schemeClr val="tx1"/>
+                </a:solidFill>
+                <a:latin typeface="Arial" charset="0"/>
+                <a:ea typeface="ＭＳ Ｐゴシック" charset="0"/>
+                <a:cs typeface="ＭＳ Ｐゴシック" charset="0"/>
+              </a:defRPr>
+            </a:lvl1pPr>
+            <a:lvl2pPr marL="742950" indent="-285750" eaLnBrk="0" hangingPunct="0">
+              <a:defRPr sz="2400">
+                <a:solidFill>
+                  <a:schemeClr val="tx1"/>
+                </a:solidFill>
+                <a:latin typeface="Arial" charset="0"/>
+                <a:ea typeface="ＭＳ Ｐゴシック" charset="0"/>
+              </a:defRPr>
+            </a:lvl2pPr>
+            <a:lvl3pPr marL="1143000" indent="-228600" eaLnBrk="0" hangingPunct="0">
+              <a:defRPr sz="2400">
+                <a:solidFill>
+                  <a:schemeClr val="tx1"/>
+                </a:solidFill>
+                <a:latin typeface="Arial" charset="0"/>
+                <a:ea typeface="ＭＳ Ｐゴシック" charset="0"/>
+              </a:defRPr>
+            </a:lvl3pPr>
+            <a:lvl4pPr marL="1600200" indent="-228600" eaLnBrk="0" hangingPunct="0">
+              <a:defRPr sz="2400">
+                <a:solidFill>
+                  <a:schemeClr val="tx1"/>
+                </a:solidFill>
+                <a:latin typeface="Arial" charset="0"/>
+                <a:ea typeface="ＭＳ Ｐゴシック" charset="0"/>
+              </a:defRPr>
+            </a:lvl4pPr>
+            <a:lvl5pPr marL="2057400" indent="-228600" eaLnBrk="0" hangingPunct="0">
+              <a:defRPr sz="2400">
+                <a:solidFill>
+                  <a:schemeClr val="tx1"/>
+                </a:solidFill>
+                <a:latin typeface="Arial" charset="0"/>
+                <a:ea typeface="ＭＳ Ｐゴシック" charset="0"/>
+              </a:defRPr>
+            </a:lvl5pPr>
+            <a:lvl6pPr marL="2514600" indent="-228600" eaLnBrk="0" fontAlgn="base" hangingPunct="0">
+              <a:spcBef>
+                <a:spcPct val="0"/>
+              </a:spcBef>
+              <a:spcAft>
+                <a:spcPct val="0"/>
+              </a:spcAft>
+              <a:defRPr sz="2400">
+                <a:solidFill>
+                  <a:schemeClr val="tx1"/>
+                </a:solidFill>
+                <a:latin typeface="Arial" charset="0"/>
+                <a:ea typeface="ＭＳ Ｐゴシック" charset="0"/>
+              </a:defRPr>
+            </a:lvl6pPr>
+            <a:lvl7pPr marL="2971800" indent="-228600" eaLnBrk="0" fontAlgn="base" hangingPunct="0">
+              <a:spcBef>
+                <a:spcPct val="0"/>
+              </a:spcBef>
+              <a:spcAft>
+                <a:spcPct val="0"/>
+              </a:spcAft>
+              <a:defRPr sz="2400">
+                <a:solidFill>
+                  <a:schemeClr val="tx1"/>
+                </a:solidFill>
+                <a:latin typeface="Arial" charset="0"/>
+                <a:ea typeface="ＭＳ Ｐゴシック" charset="0"/>
+              </a:defRPr>
+            </a:lvl7pPr>
+            <a:lvl8pPr marL="3429000" indent="-228600" eaLnBrk="0" fontAlgn="base" hangingPunct="0">
+              <a:spcBef>
+                <a:spcPct val="0"/>
+              </a:spcBef>
+              <a:spcAft>
+                <a:spcPct val="0"/>
+              </a:spcAft>
+              <a:defRPr sz="2400">
+                <a:solidFill>
+                  <a:schemeClr val="tx1"/>
+                </a:solidFill>
+                <a:latin typeface="Arial" charset="0"/>
+                <a:ea typeface="ＭＳ Ｐゴシック" charset="0"/>
+              </a:defRPr>
+            </a:lvl8pPr>
+            <a:lvl9pPr marL="3886200" indent="-228600" eaLnBrk="0" fontAlgn="base" hangingPunct="0">
+              <a:spcBef>
+                <a:spcPct val="0"/>
+              </a:spcBef>
+              <a:spcAft>
+                <a:spcPct val="0"/>
+              </a:spcAft>
+              <a:defRPr sz="2400">
+                <a:solidFill>
+                  <a:schemeClr val="tx1"/>
+                </a:solidFill>
+                <a:latin typeface="Arial" charset="0"/>
+                <a:ea typeface="ＭＳ Ｐゴシック" charset="0"/>
+              </a:defRPr>
+            </a:lvl9pPr>
+          </a:lstStyle>
+          <a:p>
+            <a:pPr eaLnBrk="1" hangingPunct="1"/>
+            <a:r>
+              <a:rPr lang="en-US" sz="1400">
+                <a:hlinkClick r:id="rId4"/>
+              </a:rPr>
+              <a:t>http://www.rna-seqblog.com/data-analysis/splicing-junction/methods-to-study-splicing-from-rna-seq/</a:t>
+            </a:r>
+            <a:endParaRPr lang="en-US" sz="1400"/>
+          </a:p>
+          <a:p>
+            <a:pPr eaLnBrk="1" hangingPunct="1"/>
+            <a:r>
+              <a:rPr lang="en-US" sz="1400">
+                <a:hlinkClick r:id="rId5"/>
+              </a:rPr>
+              <a:t>http://arxiv.org/ftp/arxiv/papers/1304/1304.5952.pdf</a:t>
+            </a:r>
+            <a:endParaRPr lang="en-US" sz="1400"/>
+          </a:p>
+        </p:txBody>
+      </p:sp>
+    </p:spTree>
+    <p:extLst>
+      <p:ext uri="{BB962C8B-B14F-4D97-AF65-F5344CB8AC3E}">
+        <p14:creationId xmlns:p14="http://schemas.microsoft.com/office/powerpoint/2010/main" val="532318725"/>
+      </p:ext>
+    </p:extLst>
+  </p:cSld>
+  <p:clrMapOvr>
+    <a:masterClrMapping/>
+  </p:clrMapOvr>
+</p:sld>
+</file>
+
+<file path=ppt/slides/slide6.xml><?xml version="1.0" encoding="utf-8"?>
+<p:sld xmlns:a="http://schemas.openxmlformats.org/drawingml/2006/main" xmlns:r="http://schemas.openxmlformats.org/officeDocument/2006/relationships" xmlns:p="http://schemas.openxmlformats.org/presentationml/2006/main">
+  <p:cSld>
+    <p:spTree>
+      <p:nvGrpSpPr>
+        <p:cNvPr id="1" name=""/>
+        <p:cNvGrpSpPr/>
+        <p:nvPr/>
+      </p:nvGrpSpPr>
+      <p:grpSpPr>
+        <a:xfrm>
+          <a:off x="0" y="0"/>
+          <a:ext cx="0" cy="0"/>
+          <a:chOff x="0" y="0"/>
+          <a:chExt cx="0" cy="0"/>
+        </a:xfrm>
+      </p:grpSpPr>
+      <p:sp>
+        <p:nvSpPr>
+          <p:cNvPr id="27649" name="Title 1"/>
+          <p:cNvSpPr>
+            <a:spLocks noGrp="1"/>
+          </p:cNvSpPr>
+          <p:nvPr>
+            <p:ph type="title"/>
+          </p:nvPr>
+        </p:nvSpPr>
+        <p:spPr>
+          <a:xfrm>
+            <a:off x="1676400" y="-26988"/>
+            <a:ext cx="8839200" cy="1143001"/>
+          </a:xfrm>
+        </p:spPr>
+        <p:txBody>
+          <a:bodyPr/>
+          <a:lstStyle/>
+          <a:p>
+            <a:r>
+              <a:rPr lang="en-US">
+                <a:latin typeface="Calibri" charset="0"/>
+                <a:ea typeface="ＭＳ Ｐゴシック" charset="0"/>
+              </a:rPr>
+              <a:t>Methods to study splicing by RNA-seq</a:t>
+            </a:r>
+          </a:p>
+        </p:txBody>
+      </p:sp>
+      <p:pic>
+        <p:nvPicPr>
+          <p:cNvPr id="27650" name="Content Placeholder 3" descr="RNAseqToolsForAlternativeSplicing.jpg"/>
+          <p:cNvPicPr>
+            <a:picLocks noGrp="1" noChangeAspect="1"/>
+          </p:cNvPicPr>
+          <p:nvPr>
+            <p:ph idx="1"/>
+          </p:nvPr>
+        </p:nvPicPr>
+        <p:blipFill>
+          <a:blip r:embed="rId3">
+            <a:extLst>
+              <a:ext uri="{28A0092B-C50C-407E-A947-70E740481C1C}">
+                <a14:useLocalDpi xmlns:a14="http://schemas.microsoft.com/office/drawing/2010/main" val="0"/>
+              </a:ext>
+            </a:extLst>
+          </a:blip>
+          <a:srcRect l="5405" t="24612" r="51976" b="53220"/>
+          <a:stretch>
+            <a:fillRect/>
+          </a:stretch>
+        </p:blipFill>
+        <p:spPr>
+          <a:xfrm>
+            <a:off x="1919288" y="1412875"/>
+            <a:ext cx="7777162" cy="4044950"/>
+          </a:xfrm>
+        </p:spPr>
+      </p:pic>
+      <p:sp>
+        <p:nvSpPr>
+          <p:cNvPr id="27651" name="TextBox 4"/>
+          <p:cNvSpPr txBox="1">
+            <a:spLocks noChangeArrowheads="1"/>
+          </p:cNvSpPr>
+          <p:nvPr/>
+        </p:nvSpPr>
+        <p:spPr bwMode="auto">
+          <a:xfrm>
+            <a:off x="2057400" y="5876926"/>
+            <a:ext cx="8070850" cy="523875"/>
+          </a:xfrm>
+          <a:prstGeom prst="rect">
+            <a:avLst/>
+          </a:prstGeom>
+          <a:noFill/>
+          <a:ln>
+            <a:noFill/>
+          </a:ln>
+          <a:extLst>
+            <a:ext uri="{909E8E84-426E-40dd-AFC4-6F175D3DCCD1}">
+              <a14:hiddenFill xmlns:a14="http://schemas.microsoft.com/office/drawing/2010/main" xmlns="">
+                <a:solidFill>
+                  <a:srgbClr val="FFFFFF"/>
+                </a:solidFill>
+              </a14:hiddenFill>
+            </a:ext>
+            <a:ext uri="{91240B29-F687-4f45-9708-019B960494DF}">
+              <a14:hiddenLine xmlns:a14="http://schemas.microsoft.com/office/drawing/2010/main" xmlns="" w="9525">
+                <a:solidFill>
+                  <a:srgbClr val="000000"/>
+                </a:solidFill>
+                <a:miter lim="800000"/>
+                <a:headEnd/>
+                <a:tailEnd/>
+              </a14:hiddenLine>
+            </a:ext>
+          </a:extLst>
+        </p:spPr>
+        <p:txBody>
+          <a:bodyPr wrap="none">
+            <a:spAutoFit/>
+          </a:bodyPr>
+          <a:lstStyle>
+            <a:lvl1pPr eaLnBrk="0" hangingPunct="0">
+              <a:defRPr sz="2400">
+                <a:solidFill>
+                  <a:schemeClr val="tx1"/>
+                </a:solidFill>
+                <a:latin typeface="Arial" charset="0"/>
+                <a:ea typeface="ＭＳ Ｐゴシック" charset="0"/>
+                <a:cs typeface="ＭＳ Ｐゴシック" charset="0"/>
+              </a:defRPr>
+            </a:lvl1pPr>
+            <a:lvl2pPr marL="742950" indent="-285750" eaLnBrk="0" hangingPunct="0">
+              <a:defRPr sz="2400">
+                <a:solidFill>
+                  <a:schemeClr val="tx1"/>
+                </a:solidFill>
+                <a:latin typeface="Arial" charset="0"/>
+                <a:ea typeface="ＭＳ Ｐゴシック" charset="0"/>
+              </a:defRPr>
+            </a:lvl2pPr>
+            <a:lvl3pPr marL="1143000" indent="-228600" eaLnBrk="0" hangingPunct="0">
+              <a:defRPr sz="2400">
+                <a:solidFill>
+                  <a:schemeClr val="tx1"/>
+                </a:solidFill>
+                <a:latin typeface="Arial" charset="0"/>
+                <a:ea typeface="ＭＳ Ｐゴシック" charset="0"/>
+              </a:defRPr>
+            </a:lvl3pPr>
+            <a:lvl4pPr marL="1600200" indent="-228600" eaLnBrk="0" hangingPunct="0">
+              <a:defRPr sz="2400">
+                <a:solidFill>
+                  <a:schemeClr val="tx1"/>
+                </a:solidFill>
+                <a:latin typeface="Arial" charset="0"/>
+                <a:ea typeface="ＭＳ Ｐゴシック" charset="0"/>
+              </a:defRPr>
+            </a:lvl4pPr>
+            <a:lvl5pPr marL="2057400" indent="-228600" eaLnBrk="0" hangingPunct="0">
+              <a:defRPr sz="2400">
+                <a:solidFill>
+                  <a:schemeClr val="tx1"/>
+                </a:solidFill>
+                <a:latin typeface="Arial" charset="0"/>
+                <a:ea typeface="ＭＳ Ｐゴシック" charset="0"/>
+              </a:defRPr>
+            </a:lvl5pPr>
+            <a:lvl6pPr marL="2514600" indent="-228600" eaLnBrk="0" fontAlgn="base" hangingPunct="0">
+              <a:spcBef>
+                <a:spcPct val="0"/>
+              </a:spcBef>
+              <a:spcAft>
+                <a:spcPct val="0"/>
+              </a:spcAft>
+              <a:defRPr sz="2400">
+                <a:solidFill>
+                  <a:schemeClr val="tx1"/>
+                </a:solidFill>
+                <a:latin typeface="Arial" charset="0"/>
+                <a:ea typeface="ＭＳ Ｐゴシック" charset="0"/>
+              </a:defRPr>
+            </a:lvl6pPr>
+            <a:lvl7pPr marL="2971800" indent="-228600" eaLnBrk="0" fontAlgn="base" hangingPunct="0">
+              <a:spcBef>
+                <a:spcPct val="0"/>
+              </a:spcBef>
+              <a:spcAft>
+                <a:spcPct val="0"/>
+              </a:spcAft>
+              <a:defRPr sz="2400">
+                <a:solidFill>
+                  <a:schemeClr val="tx1"/>
+                </a:solidFill>
+                <a:latin typeface="Arial" charset="0"/>
+                <a:ea typeface="ＭＳ Ｐゴシック" charset="0"/>
+              </a:defRPr>
+            </a:lvl7pPr>
+            <a:lvl8pPr marL="3429000" indent="-228600" eaLnBrk="0" fontAlgn="base" hangingPunct="0">
+              <a:spcBef>
+                <a:spcPct val="0"/>
+              </a:spcBef>
+              <a:spcAft>
+                <a:spcPct val="0"/>
+              </a:spcAft>
+              <a:defRPr sz="2400">
+                <a:solidFill>
+                  <a:schemeClr val="tx1"/>
+                </a:solidFill>
+                <a:latin typeface="Arial" charset="0"/>
+                <a:ea typeface="ＭＳ Ｐゴシック" charset="0"/>
+              </a:defRPr>
+            </a:lvl8pPr>
+            <a:lvl9pPr marL="3886200" indent="-228600" eaLnBrk="0" fontAlgn="base" hangingPunct="0">
+              <a:spcBef>
+                <a:spcPct val="0"/>
+              </a:spcBef>
+              <a:spcAft>
+                <a:spcPct val="0"/>
+              </a:spcAft>
+              <a:defRPr sz="2400">
+                <a:solidFill>
+                  <a:schemeClr val="tx1"/>
+                </a:solidFill>
+                <a:latin typeface="Arial" charset="0"/>
+                <a:ea typeface="ＭＳ Ｐゴシック" charset="0"/>
+              </a:defRPr>
+            </a:lvl9pPr>
+          </a:lstStyle>
+          <a:p>
+            <a:pPr eaLnBrk="1" hangingPunct="1"/>
+            <a:r>
+              <a:rPr lang="en-US" sz="1400">
+                <a:hlinkClick r:id="rId4"/>
+              </a:rPr>
+              <a:t>http://www.rna-seqblog.com/data-analysis/splicing-junction/methods-to-study-splicing-from-rna-seq/</a:t>
+            </a:r>
+            <a:endParaRPr lang="en-US" sz="1400"/>
+          </a:p>
+          <a:p>
+            <a:pPr eaLnBrk="1" hangingPunct="1"/>
+            <a:r>
+              <a:rPr lang="en-US" sz="1400">
+                <a:hlinkClick r:id="rId5"/>
+              </a:rPr>
+              <a:t>http://arxiv.org/ftp/arxiv/papers/1304/1304.5952.pdf</a:t>
+            </a:r>
+            <a:endParaRPr lang="en-US" sz="1400"/>
+          </a:p>
+        </p:txBody>
+      </p:sp>
+    </p:spTree>
+    <p:extLst>
+      <p:ext uri="{BB962C8B-B14F-4D97-AF65-F5344CB8AC3E}">
+        <p14:creationId xmlns:p14="http://schemas.microsoft.com/office/powerpoint/2010/main" val="1179959412"/>
+      </p:ext>
+    </p:extLst>
+  </p:cSld>
+  <p:clrMapOvr>
+    <a:masterClrMapping/>
+  </p:clrMapOvr>
+</p:sld>
+</file>
+
+<file path=ppt/slides/slide7.xml><?xml version="1.0" encoding="utf-8"?>
+<p:sld xmlns:a="http://schemas.openxmlformats.org/drawingml/2006/main" xmlns:r="http://schemas.openxmlformats.org/officeDocument/2006/relationships" xmlns:p="http://schemas.openxmlformats.org/presentationml/2006/main">
+  <p:cSld>
+    <p:spTree>
+      <p:nvGrpSpPr>
+        <p:cNvPr id="1" name=""/>
+        <p:cNvGrpSpPr/>
+        <p:nvPr/>
+      </p:nvGrpSpPr>
+      <p:grpSpPr>
+        <a:xfrm>
+          <a:off x="0" y="0"/>
+          <a:ext cx="0" cy="0"/>
+          <a:chOff x="0" y="0"/>
+          <a:chExt cx="0" cy="0"/>
+        </a:xfrm>
+      </p:grpSpPr>
+      <p:sp>
+        <p:nvSpPr>
+          <p:cNvPr id="17409" name="Title 1"/>
+          <p:cNvSpPr>
+            <a:spLocks noGrp="1"/>
+          </p:cNvSpPr>
+          <p:nvPr>
+            <p:ph type="title"/>
+          </p:nvPr>
+        </p:nvSpPr>
+        <p:spPr>
+          <a:xfrm>
+            <a:off x="1676400" y="-26988"/>
+            <a:ext cx="8839200" cy="1143001"/>
+          </a:xfrm>
+        </p:spPr>
+        <p:txBody>
+          <a:bodyPr/>
+          <a:lstStyle/>
+          <a:p>
+            <a:r>
+              <a:rPr lang="en-US" b="1" dirty="0">
+                <a:latin typeface="Calibri" charset="0"/>
+                <a:ea typeface="ＭＳ Ｐゴシック" charset="0"/>
+              </a:rPr>
+              <a:t>Useful resources and discussion</a:t>
+            </a:r>
+          </a:p>
+        </p:txBody>
+      </p:sp>
+      <p:sp>
+        <p:nvSpPr>
+          <p:cNvPr id="3" name="Content Placeholder 2"/>
+          <p:cNvSpPr>
+            <a:spLocks noGrp="1"/>
+          </p:cNvSpPr>
+          <p:nvPr>
+            <p:ph idx="1"/>
+          </p:nvPr>
+        </p:nvSpPr>
+        <p:spPr>
+          <a:xfrm>
+            <a:off x="1676400" y="1341437"/>
+            <a:ext cx="8839200" cy="4969421"/>
+          </a:xfrm>
+        </p:spPr>
+        <p:txBody>
+          <a:bodyPr>
+            <a:normAutofit fontScale="92500" lnSpcReduction="20000"/>
+          </a:bodyPr>
+          <a:lstStyle/>
+          <a:p>
+            <a:pPr>
+              <a:defRPr/>
+            </a:pPr>
+            <a:r>
+              <a:rPr lang="en-US" dirty="0">
+                <a:latin typeface="Calibri" panose="020F0502020204030204" pitchFamily="34" charset="0"/>
+                <a:cs typeface="Calibri" panose="020F0502020204030204" pitchFamily="34" charset="0"/>
+              </a:rPr>
+              <a:t>Best approach to predict novel and alternative splicing events from RNA-seq data</a:t>
+            </a:r>
+          </a:p>
+          <a:p>
+            <a:pPr lvl="1">
+              <a:defRPr/>
+            </a:pPr>
+            <a:r>
+              <a:rPr lang="en-US" dirty="0">
+                <a:latin typeface="Calibri" panose="020F0502020204030204" pitchFamily="34" charset="0"/>
+                <a:cs typeface="Calibri" panose="020F0502020204030204" pitchFamily="34" charset="0"/>
+                <a:hlinkClick r:id="rId3"/>
+              </a:rPr>
+              <a:t>http://www.biostars.org/p/68966/</a:t>
+            </a:r>
+            <a:endParaRPr lang="en-US" dirty="0">
+              <a:latin typeface="Calibri" panose="020F0502020204030204" pitchFamily="34" charset="0"/>
+              <a:cs typeface="Calibri" panose="020F0502020204030204" pitchFamily="34" charset="0"/>
+            </a:endParaRPr>
+          </a:p>
+          <a:p>
+            <a:pPr lvl="1">
+              <a:defRPr/>
+            </a:pPr>
+            <a:r>
+              <a:rPr lang="en-US" dirty="0">
+                <a:latin typeface="Calibri" panose="020F0502020204030204" pitchFamily="34" charset="0"/>
+                <a:cs typeface="Calibri" panose="020F0502020204030204" pitchFamily="34" charset="0"/>
+                <a:hlinkClick r:id="rId4"/>
+              </a:rPr>
+              <a:t>http://www.biostars.org/p/62728/</a:t>
+            </a:r>
+            <a:endParaRPr lang="en-US" dirty="0">
+              <a:latin typeface="Calibri" panose="020F0502020204030204" pitchFamily="34" charset="0"/>
+              <a:cs typeface="Calibri" panose="020F0502020204030204" pitchFamily="34" charset="0"/>
+            </a:endParaRPr>
+          </a:p>
+          <a:p>
+            <a:pPr>
+              <a:defRPr/>
+            </a:pPr>
+            <a:r>
+              <a:rPr lang="en-US" dirty="0">
+                <a:latin typeface="Calibri" panose="020F0502020204030204" pitchFamily="34" charset="0"/>
+                <a:cs typeface="Calibri" panose="020F0502020204030204" pitchFamily="34" charset="0"/>
+              </a:rPr>
+              <a:t>Alternative splicing detection</a:t>
+            </a:r>
+          </a:p>
+          <a:p>
+            <a:pPr lvl="1">
+              <a:defRPr/>
+            </a:pPr>
+            <a:r>
+              <a:rPr lang="en-US" dirty="0">
+                <a:latin typeface="Calibri" panose="020F0502020204030204" pitchFamily="34" charset="0"/>
+                <a:cs typeface="Calibri" panose="020F0502020204030204" pitchFamily="34" charset="0"/>
+                <a:hlinkClick r:id="rId5"/>
+              </a:rPr>
+              <a:t>http://www.biostars.org/p/65617/</a:t>
+            </a:r>
+            <a:endParaRPr lang="en-US" dirty="0">
+              <a:latin typeface="Calibri" panose="020F0502020204030204" pitchFamily="34" charset="0"/>
+              <a:cs typeface="Calibri" panose="020F0502020204030204" pitchFamily="34" charset="0"/>
+            </a:endParaRPr>
+          </a:p>
+          <a:p>
+            <a:pPr lvl="1">
+              <a:defRPr/>
+            </a:pPr>
+            <a:r>
+              <a:rPr lang="en-US" dirty="0">
+                <a:latin typeface="Calibri" panose="020F0502020204030204" pitchFamily="34" charset="0"/>
+                <a:cs typeface="Calibri" panose="020F0502020204030204" pitchFamily="34" charset="0"/>
+                <a:hlinkClick r:id="rId6"/>
+              </a:rPr>
+              <a:t>http://www.biostars.org/p/11695/</a:t>
+            </a:r>
+            <a:endParaRPr lang="en-US" dirty="0">
+              <a:latin typeface="Calibri" panose="020F0502020204030204" pitchFamily="34" charset="0"/>
+              <a:cs typeface="Calibri" panose="020F0502020204030204" pitchFamily="34" charset="0"/>
+            </a:endParaRPr>
+          </a:p>
+          <a:p>
+            <a:pPr>
+              <a:defRPr/>
+            </a:pPr>
+            <a:r>
+              <a:rPr lang="en-US" dirty="0">
+                <a:latin typeface="Calibri" panose="020F0502020204030204" pitchFamily="34" charset="0"/>
+                <a:cs typeface="Calibri" panose="020F0502020204030204" pitchFamily="34" charset="0"/>
+              </a:rPr>
+              <a:t>Identifying genes that express different isoforms in cancer </a:t>
+            </a:r>
+            <a:r>
+              <a:rPr lang="en-US" dirty="0" err="1">
+                <a:latin typeface="Calibri" panose="020F0502020204030204" pitchFamily="34" charset="0"/>
+                <a:cs typeface="Calibri" panose="020F0502020204030204" pitchFamily="34" charset="0"/>
+              </a:rPr>
+              <a:t>vs</a:t>
+            </a:r>
+            <a:r>
+              <a:rPr lang="en-US" dirty="0">
+                <a:latin typeface="Calibri" panose="020F0502020204030204" pitchFamily="34" charset="0"/>
+                <a:cs typeface="Calibri" panose="020F0502020204030204" pitchFamily="34" charset="0"/>
+              </a:rPr>
+              <a:t> normal RNA-seq data</a:t>
+            </a:r>
+          </a:p>
+          <a:p>
+            <a:pPr lvl="1">
+              <a:defRPr/>
+            </a:pPr>
+            <a:r>
+              <a:rPr lang="en-US" dirty="0">
+                <a:latin typeface="Calibri" panose="020F0502020204030204" pitchFamily="34" charset="0"/>
+                <a:cs typeface="Calibri" panose="020F0502020204030204" pitchFamily="34" charset="0"/>
+                <a:hlinkClick r:id="rId7"/>
+              </a:rPr>
+              <a:t>http://www.biostars.org/p/50365/</a:t>
+            </a:r>
+            <a:endParaRPr lang="en-US" dirty="0">
+              <a:latin typeface="Calibri" panose="020F0502020204030204" pitchFamily="34" charset="0"/>
+              <a:cs typeface="Calibri" panose="020F0502020204030204" pitchFamily="34" charset="0"/>
+            </a:endParaRPr>
+          </a:p>
+          <a:p>
+            <a:pPr>
+              <a:defRPr/>
+            </a:pPr>
+            <a:r>
+              <a:rPr lang="en-US" dirty="0">
+                <a:latin typeface="Calibri" panose="020F0502020204030204" pitchFamily="34" charset="0"/>
+                <a:cs typeface="Calibri" panose="020F0502020204030204" pitchFamily="34" charset="0"/>
+              </a:rPr>
+              <a:t>Cufflinks / </a:t>
+            </a:r>
+            <a:r>
+              <a:rPr lang="en-US" dirty="0" err="1">
+                <a:latin typeface="Calibri" panose="020F0502020204030204" pitchFamily="34" charset="0"/>
+                <a:cs typeface="Calibri" panose="020F0502020204030204" pitchFamily="34" charset="0"/>
+              </a:rPr>
+              <a:t>Cuffdiff</a:t>
+            </a:r>
+            <a:r>
+              <a:rPr lang="en-US" dirty="0">
+                <a:latin typeface="Calibri" panose="020F0502020204030204" pitchFamily="34" charset="0"/>
+                <a:cs typeface="Calibri" panose="020F0502020204030204" pitchFamily="34" charset="0"/>
+              </a:rPr>
+              <a:t> Output - How are tests different?</a:t>
+            </a:r>
+          </a:p>
+          <a:p>
+            <a:pPr lvl="1">
+              <a:defRPr/>
+            </a:pPr>
+            <a:r>
+              <a:rPr lang="en-US" dirty="0">
+                <a:latin typeface="Calibri" panose="020F0502020204030204" pitchFamily="34" charset="0"/>
+                <a:cs typeface="Calibri" panose="020F0502020204030204" pitchFamily="34" charset="0"/>
+                <a:hlinkClick r:id="rId8"/>
+              </a:rPr>
+              <a:t>http://www.biostars.org/p/13525/</a:t>
+            </a:r>
+            <a:endParaRPr lang="en-US" dirty="0">
+              <a:latin typeface="Calibri" panose="020F0502020204030204" pitchFamily="34" charset="0"/>
+              <a:cs typeface="Calibri" panose="020F0502020204030204" pitchFamily="34" charset="0"/>
+            </a:endParaRPr>
+          </a:p>
+          <a:p>
+            <a:pPr>
+              <a:defRPr/>
+            </a:pPr>
+            <a:r>
+              <a:rPr lang="en-US" dirty="0">
+                <a:latin typeface="Calibri" panose="020F0502020204030204" pitchFamily="34" charset="0"/>
+                <a:cs typeface="Calibri" panose="020F0502020204030204" pitchFamily="34" charset="0"/>
+              </a:rPr>
+              <a:t>Visualization of alternative splicing events using RNA-seq data</a:t>
+            </a:r>
+          </a:p>
+          <a:p>
+            <a:pPr lvl="1">
+              <a:defRPr/>
+            </a:pPr>
+            <a:r>
+              <a:rPr lang="en-US" dirty="0">
+                <a:latin typeface="Calibri" panose="020F0502020204030204" pitchFamily="34" charset="0"/>
+                <a:cs typeface="Calibri" panose="020F0502020204030204" pitchFamily="34" charset="0"/>
+                <a:hlinkClick r:id="rId9"/>
+              </a:rPr>
+              <a:t>http://www.biostars.org/p/8979/</a:t>
+            </a:r>
+            <a:endParaRPr lang="en-US" dirty="0">
+              <a:latin typeface="Calibri" panose="020F0502020204030204" pitchFamily="34" charset="0"/>
+              <a:cs typeface="Calibri" panose="020F0502020204030204" pitchFamily="34" charset="0"/>
+            </a:endParaRPr>
+          </a:p>
+        </p:txBody>
+      </p:sp>
+    </p:spTree>
+    <p:extLst>
+      <p:ext uri="{BB962C8B-B14F-4D97-AF65-F5344CB8AC3E}">
+        <p14:creationId xmlns:p14="http://schemas.microsoft.com/office/powerpoint/2010/main" val="3063177578"/>
+      </p:ext>
+    </p:extLst>
+  </p:cSld>
+  <p:clrMapOvr>
+    <a:masterClrMapping/>
+  </p:clrMapOvr>
+</p:sld>
+</file>
+
+<file path=ppt/slides/slide8.xml><?xml version="1.0" encoding="utf-8"?>
+<p:sld xmlns:a="http://schemas.openxmlformats.org/drawingml/2006/main" xmlns:r="http://schemas.openxmlformats.org/officeDocument/2006/relationships" xmlns:p="http://schemas.openxmlformats.org/presentationml/2006/main">
+  <p:cSld>
+    <p:spTree>
+      <p:nvGrpSpPr>
+        <p:cNvPr id="1" name=""/>
+        <p:cNvGrpSpPr/>
+        <p:nvPr/>
+      </p:nvGrpSpPr>
+      <p:grpSpPr>
+        <a:xfrm>
+          <a:off x="0" y="0"/>
+          <a:ext cx="0" cy="0"/>
+          <a:chOff x="0" y="0"/>
+          <a:chExt cx="0" cy="0"/>
+        </a:xfrm>
+      </p:grpSpPr>
+      <p:sp>
+        <p:nvSpPr>
+          <p:cNvPr id="20481" name="Title 1"/>
+          <p:cNvSpPr>
+            <a:spLocks noGrp="1"/>
+          </p:cNvSpPr>
+          <p:nvPr>
+            <p:ph type="title"/>
+          </p:nvPr>
+        </p:nvSpPr>
+        <p:spPr>
+          <a:xfrm>
+            <a:off x="164892" y="-26988"/>
+            <a:ext cx="11797259" cy="1143001"/>
+          </a:xfrm>
+        </p:spPr>
+        <p:txBody>
+          <a:bodyPr>
+            <a:normAutofit fontScale="90000"/>
+          </a:bodyPr>
+          <a:lstStyle/>
+          <a:p>
+            <a:r>
+              <a:rPr lang="en-US" b="1" dirty="0">
+                <a:latin typeface="Calibri" charset="0"/>
+                <a:ea typeface="ＭＳ Ｐゴシック" charset="0"/>
+              </a:rPr>
+              <a:t>Sequencing methods for studying alternative isoforms</a:t>
+            </a:r>
+          </a:p>
+        </p:txBody>
+      </p:sp>
+      <p:pic>
+        <p:nvPicPr>
+          <p:cNvPr id="20482" name="Content Placeholder 3" descr="Figure3.png"/>
+          <p:cNvPicPr>
+            <a:picLocks noGrp="1" noChangeAspect="1"/>
+          </p:cNvPicPr>
+          <p:nvPr>
+            <p:ph idx="1"/>
+          </p:nvPr>
+        </p:nvPicPr>
+        <p:blipFill>
+          <a:blip r:embed="rId3">
+            <a:extLst>
+              <a:ext uri="{28A0092B-C50C-407E-A947-70E740481C1C}">
+                <a14:useLocalDpi xmlns:a14="http://schemas.microsoft.com/office/drawing/2010/main" val="0"/>
+              </a:ext>
+            </a:extLst>
+          </a:blip>
+          <a:srcRect l="-2106" r="-1291"/>
+          <a:stretch>
+            <a:fillRect/>
+          </a:stretch>
+        </p:blipFill>
+        <p:spPr>
+          <a:xfrm>
+            <a:off x="3935413" y="1268414"/>
+            <a:ext cx="4000500" cy="4911725"/>
+          </a:xfrm>
+        </p:spPr>
+      </p:pic>
+    </p:spTree>
+    <p:extLst>
+      <p:ext uri="{BB962C8B-B14F-4D97-AF65-F5344CB8AC3E}">
+        <p14:creationId xmlns:p14="http://schemas.microsoft.com/office/powerpoint/2010/main" val="2543725304"/>
       </p:ext>
     </p:extLst>
   </p:cSld>
